--- a/docs/presentations/20220411/slides.pptx
+++ b/docs/presentations/20220411/slides.pptx
@@ -6,24 +6,25 @@
     <p:sldMasterId id="2147483654" r:id="rId5"/>
   </p:sldMasterIdLst>
   <p:notesMasterIdLst>
-    <p:notesMasterId r:id="rId18"/>
+    <p:notesMasterId r:id="rId19"/>
   </p:notesMasterIdLst>
   <p:handoutMasterIdLst>
-    <p:handoutMasterId r:id="rId19"/>
+    <p:handoutMasterId r:id="rId20"/>
   </p:handoutMasterIdLst>
   <p:sldIdLst>
     <p:sldId id="288" r:id="rId6"/>
-    <p:sldId id="297" r:id="rId7"/>
-    <p:sldId id="298" r:id="rId8"/>
-    <p:sldId id="299" r:id="rId9"/>
-    <p:sldId id="300" r:id="rId10"/>
-    <p:sldId id="301" r:id="rId11"/>
-    <p:sldId id="302" r:id="rId12"/>
-    <p:sldId id="303" r:id="rId13"/>
-    <p:sldId id="304" r:id="rId14"/>
-    <p:sldId id="305" r:id="rId15"/>
-    <p:sldId id="306" r:id="rId16"/>
-    <p:sldId id="307" r:id="rId17"/>
+    <p:sldId id="303" r:id="rId7"/>
+    <p:sldId id="300" r:id="rId8"/>
+    <p:sldId id="297" r:id="rId9"/>
+    <p:sldId id="298" r:id="rId10"/>
+    <p:sldId id="302" r:id="rId11"/>
+    <p:sldId id="305" r:id="rId12"/>
+    <p:sldId id="299" r:id="rId13"/>
+    <p:sldId id="307" r:id="rId14"/>
+    <p:sldId id="306" r:id="rId15"/>
+    <p:sldId id="304" r:id="rId16"/>
+    <p:sldId id="301" r:id="rId17"/>
+    <p:sldId id="308" r:id="rId18"/>
   </p:sldIdLst>
   <p:sldSz cx="12192000" cy="6858000"/>
   <p:notesSz cx="6794500" cy="9931400"/>
@@ -183,7 +184,7 @@
 <file path=ppt/revisionInfo.xml><?xml version="1.0" encoding="utf-8"?>
 <p1510:revInfo xmlns:a="http://schemas.openxmlformats.org/drawingml/2006/main" xmlns:r="http://schemas.openxmlformats.org/officeDocument/2006/relationships" xmlns:p1510="http://schemas.microsoft.com/office/powerpoint/2015/10/main">
   <p1510:revLst>
-    <p1510:client id="{3E343596-B124-4CC4-BA1C-16C6624A16FB}" v="2" dt="2022-04-11T01:14:46.094"/>
+    <p1510:client id="{3E343596-B124-4CC4-BA1C-16C6624A16FB}" v="9" dt="2022-04-11T10:44:36.460"/>
   </p1510:revLst>
 </p1510:revInfo>
 </file>
@@ -192,8 +193,8 @@
 <pc:chgInfo xmlns:a="http://schemas.openxmlformats.org/drawingml/2006/main" xmlns:r="http://schemas.openxmlformats.org/officeDocument/2006/relationships" xmlns:ac="http://schemas.microsoft.com/office/drawing/2013/main/command" xmlns:pc="http://schemas.microsoft.com/office/powerpoint/2013/main/command">
   <pc:docChgLst>
     <pc:chgData name="Matthew Suderman" userId="2709995e-3ea8-4fb0-9b62-eb8034dec529" providerId="ADAL" clId="{3E343596-B124-4CC4-BA1C-16C6624A16FB}"/>
-    <pc:docChg chg="undo custSel addSld delSld modSld">
-      <pc:chgData name="Matthew Suderman" userId="2709995e-3ea8-4fb0-9b62-eb8034dec529" providerId="ADAL" clId="{3E343596-B124-4CC4-BA1C-16C6624A16FB}" dt="2022-04-11T02:11:38.581" v="3032" actId="20577"/>
+    <pc:docChg chg="undo custSel addSld delSld modSld sldOrd">
+      <pc:chgData name="Matthew Suderman" userId="2709995e-3ea8-4fb0-9b62-eb8034dec529" providerId="ADAL" clId="{3E343596-B124-4CC4-BA1C-16C6624A16FB}" dt="2022-04-11T10:57:49.560" v="4521" actId="20577"/>
       <pc:docMkLst>
         <pc:docMk/>
       </pc:docMkLst>
@@ -250,14 +251,14 @@
           <pc:sldMk cId="1851631678" sldId="298"/>
         </pc:sldMkLst>
       </pc:sldChg>
-      <pc:sldChg chg="modSp new mod">
-        <pc:chgData name="Matthew Suderman" userId="2709995e-3ea8-4fb0-9b62-eb8034dec529" providerId="ADAL" clId="{3E343596-B124-4CC4-BA1C-16C6624A16FB}" dt="2022-04-11T01:38:47.587" v="1231" actId="114"/>
+      <pc:sldChg chg="addSp modSp new mod">
+        <pc:chgData name="Matthew Suderman" userId="2709995e-3ea8-4fb0-9b62-eb8034dec529" providerId="ADAL" clId="{3E343596-B124-4CC4-BA1C-16C6624A16FB}" dt="2022-04-11T10:43:52.853" v="4275" actId="1076"/>
         <pc:sldMkLst>
           <pc:docMk/>
           <pc:sldMk cId="4222591133" sldId="298"/>
         </pc:sldMkLst>
         <pc:spChg chg="mod">
-          <ac:chgData name="Matthew Suderman" userId="2709995e-3ea8-4fb0-9b62-eb8034dec529" providerId="ADAL" clId="{3E343596-B124-4CC4-BA1C-16C6624A16FB}" dt="2022-04-11T01:11:36.470" v="366" actId="20577"/>
+          <ac:chgData name="Matthew Suderman" userId="2709995e-3ea8-4fb0-9b62-eb8034dec529" providerId="ADAL" clId="{3E343596-B124-4CC4-BA1C-16C6624A16FB}" dt="2022-04-11T10:42:34.839" v="4198" actId="20577"/>
           <ac:spMkLst>
             <pc:docMk/>
             <pc:sldMk cId="4222591133" sldId="298"/>
@@ -272,6 +273,14 @@
             <ac:spMk id="3" creationId="{7CCC9A2B-97B7-4604-8571-7C4B36B38645}"/>
           </ac:spMkLst>
         </pc:spChg>
+        <pc:spChg chg="add mod">
+          <ac:chgData name="Matthew Suderman" userId="2709995e-3ea8-4fb0-9b62-eb8034dec529" providerId="ADAL" clId="{3E343596-B124-4CC4-BA1C-16C6624A16FB}" dt="2022-04-11T10:43:52.853" v="4275" actId="1076"/>
+          <ac:spMkLst>
+            <pc:docMk/>
+            <pc:sldMk cId="4222591133" sldId="298"/>
+            <ac:spMk id="4" creationId="{C814918C-2445-4DCF-B854-7A4C8F7D7754}"/>
+          </ac:spMkLst>
+        </pc:spChg>
       </pc:sldChg>
       <pc:sldChg chg="del">
         <pc:chgData name="Matthew Suderman" userId="2709995e-3ea8-4fb0-9b62-eb8034dec529" providerId="ADAL" clId="{3E343596-B124-4CC4-BA1C-16C6624A16FB}" dt="2022-04-11T00:47:52.430" v="20" actId="47"/>
@@ -280,14 +289,14 @@
           <pc:sldMk cId="714798590" sldId="299"/>
         </pc:sldMkLst>
       </pc:sldChg>
-      <pc:sldChg chg="modSp new mod">
-        <pc:chgData name="Matthew Suderman" userId="2709995e-3ea8-4fb0-9b62-eb8034dec529" providerId="ADAL" clId="{3E343596-B124-4CC4-BA1C-16C6624A16FB}" dt="2022-04-11T01:15:25.831" v="495" actId="20577"/>
+      <pc:sldChg chg="addSp delSp modSp new mod ord">
+        <pc:chgData name="Matthew Suderman" userId="2709995e-3ea8-4fb0-9b62-eb8034dec529" providerId="ADAL" clId="{3E343596-B124-4CC4-BA1C-16C6624A16FB}" dt="2022-04-11T10:49:10.493" v="4335" actId="1076"/>
         <pc:sldMkLst>
           <pc:docMk/>
           <pc:sldMk cId="2586055292" sldId="299"/>
         </pc:sldMkLst>
         <pc:spChg chg="mod">
-          <ac:chgData name="Matthew Suderman" userId="2709995e-3ea8-4fb0-9b62-eb8034dec529" providerId="ADAL" clId="{3E343596-B124-4CC4-BA1C-16C6624A16FB}" dt="2022-04-11T01:15:25.831" v="495" actId="20577"/>
+          <ac:chgData name="Matthew Suderman" userId="2709995e-3ea8-4fb0-9b62-eb8034dec529" providerId="ADAL" clId="{3E343596-B124-4CC4-BA1C-16C6624A16FB}" dt="2022-04-11T10:35:11.890" v="3683" actId="20577"/>
           <ac:spMkLst>
             <pc:docMk/>
             <pc:sldMk cId="2586055292" sldId="299"/>
@@ -302,9 +311,25 @@
             <ac:spMk id="3" creationId="{0AF83ADF-F373-40B0-9032-6D3F551FEBF5}"/>
           </ac:spMkLst>
         </pc:spChg>
-      </pc:sldChg>
-      <pc:sldChg chg="addSp delSp modSp new mod">
-        <pc:chgData name="Matthew Suderman" userId="2709995e-3ea8-4fb0-9b62-eb8034dec529" providerId="ADAL" clId="{3E343596-B124-4CC4-BA1C-16C6624A16FB}" dt="2022-04-11T01:17:55.835" v="501" actId="1076"/>
+        <pc:spChg chg="add del">
+          <ac:chgData name="Matthew Suderman" userId="2709995e-3ea8-4fb0-9b62-eb8034dec529" providerId="ADAL" clId="{3E343596-B124-4CC4-BA1C-16C6624A16FB}" dt="2022-04-11T10:48:38.786" v="4321" actId="22"/>
+          <ac:spMkLst>
+            <pc:docMk/>
+            <pc:sldMk cId="2586055292" sldId="299"/>
+            <ac:spMk id="5" creationId="{516F47DE-09D2-4DD2-ADE8-27D291DE6D08}"/>
+          </ac:spMkLst>
+        </pc:spChg>
+        <pc:spChg chg="add mod">
+          <ac:chgData name="Matthew Suderman" userId="2709995e-3ea8-4fb0-9b62-eb8034dec529" providerId="ADAL" clId="{3E343596-B124-4CC4-BA1C-16C6624A16FB}" dt="2022-04-11T10:49:10.493" v="4335" actId="1076"/>
+          <ac:spMkLst>
+            <pc:docMk/>
+            <pc:sldMk cId="2586055292" sldId="299"/>
+            <ac:spMk id="7" creationId="{06CC3E7C-CB0C-495F-97EF-D27C2459C93E}"/>
+          </ac:spMkLst>
+        </pc:spChg>
+      </pc:sldChg>
+      <pc:sldChg chg="addSp delSp modSp new mod ord">
+        <pc:chgData name="Matthew Suderman" userId="2709995e-3ea8-4fb0-9b62-eb8034dec529" providerId="ADAL" clId="{3E343596-B124-4CC4-BA1C-16C6624A16FB}" dt="2022-04-11T10:49:47.992" v="4339"/>
         <pc:sldMkLst>
           <pc:docMk/>
           <pc:sldMk cId="331146543" sldId="300"/>
@@ -348,14 +373,14 @@
           <pc:sldMk cId="1466086557" sldId="301"/>
         </pc:sldMkLst>
       </pc:sldChg>
-      <pc:sldChg chg="modSp new mod">
-        <pc:chgData name="Matthew Suderman" userId="2709995e-3ea8-4fb0-9b62-eb8034dec529" providerId="ADAL" clId="{3E343596-B124-4CC4-BA1C-16C6624A16FB}" dt="2022-04-11T01:23:29.774" v="575" actId="20577"/>
+      <pc:sldChg chg="addSp modSp new mod ord">
+        <pc:chgData name="Matthew Suderman" userId="2709995e-3ea8-4fb0-9b62-eb8034dec529" providerId="ADAL" clId="{3E343596-B124-4CC4-BA1C-16C6624A16FB}" dt="2022-04-11T10:49:32.520" v="4337"/>
         <pc:sldMkLst>
           <pc:docMk/>
           <pc:sldMk cId="1777325711" sldId="301"/>
         </pc:sldMkLst>
         <pc:spChg chg="mod">
-          <ac:chgData name="Matthew Suderman" userId="2709995e-3ea8-4fb0-9b62-eb8034dec529" providerId="ADAL" clId="{3E343596-B124-4CC4-BA1C-16C6624A16FB}" dt="2022-04-11T01:23:29.774" v="575" actId="20577"/>
+          <ac:chgData name="Matthew Suderman" userId="2709995e-3ea8-4fb0-9b62-eb8034dec529" providerId="ADAL" clId="{3E343596-B124-4CC4-BA1C-16C6624A16FB}" dt="2022-04-11T10:37:48.919" v="3799" actId="20577"/>
           <ac:spMkLst>
             <pc:docMk/>
             <pc:sldMk cId="1777325711" sldId="301"/>
@@ -370,15 +395,23 @@
             <ac:spMk id="3" creationId="{D7A67566-490A-4D03-8DD5-065B5493D593}"/>
           </ac:spMkLst>
         </pc:spChg>
-      </pc:sldChg>
-      <pc:sldChg chg="modSp new mod">
-        <pc:chgData name="Matthew Suderman" userId="2709995e-3ea8-4fb0-9b62-eb8034dec529" providerId="ADAL" clId="{3E343596-B124-4CC4-BA1C-16C6624A16FB}" dt="2022-04-11T01:27:08.583" v="813" actId="20577"/>
+        <pc:spChg chg="add mod">
+          <ac:chgData name="Matthew Suderman" userId="2709995e-3ea8-4fb0-9b62-eb8034dec529" providerId="ADAL" clId="{3E343596-B124-4CC4-BA1C-16C6624A16FB}" dt="2022-04-11T10:44:09.511" v="4283" actId="1076"/>
+          <ac:spMkLst>
+            <pc:docMk/>
+            <pc:sldMk cId="1777325711" sldId="301"/>
+            <ac:spMk id="4" creationId="{770AEA80-6C31-44BD-A6DE-E653834530E7}"/>
+          </ac:spMkLst>
+        </pc:spChg>
+      </pc:sldChg>
+      <pc:sldChg chg="addSp modSp new mod">
+        <pc:chgData name="Matthew Suderman" userId="2709995e-3ea8-4fb0-9b62-eb8034dec529" providerId="ADAL" clId="{3E343596-B124-4CC4-BA1C-16C6624A16FB}" dt="2022-04-11T10:44:33.477" v="4296" actId="1076"/>
         <pc:sldMkLst>
           <pc:docMk/>
           <pc:sldMk cId="1729581889" sldId="302"/>
         </pc:sldMkLst>
         <pc:spChg chg="mod">
-          <ac:chgData name="Matthew Suderman" userId="2709995e-3ea8-4fb0-9b62-eb8034dec529" providerId="ADAL" clId="{3E343596-B124-4CC4-BA1C-16C6624A16FB}" dt="2022-04-11T01:27:08.583" v="813" actId="20577"/>
+          <ac:chgData name="Matthew Suderman" userId="2709995e-3ea8-4fb0-9b62-eb8034dec529" providerId="ADAL" clId="{3E343596-B124-4CC4-BA1C-16C6624A16FB}" dt="2022-04-11T10:37:25.991" v="3748" actId="20577"/>
           <ac:spMkLst>
             <pc:docMk/>
             <pc:sldMk cId="1729581889" sldId="302"/>
@@ -393,6 +426,14 @@
             <ac:spMk id="3" creationId="{AAD91FAD-4841-42D5-B7A0-22C945E0F863}"/>
           </ac:spMkLst>
         </pc:spChg>
+        <pc:spChg chg="add mod">
+          <ac:chgData name="Matthew Suderman" userId="2709995e-3ea8-4fb0-9b62-eb8034dec529" providerId="ADAL" clId="{3E343596-B124-4CC4-BA1C-16C6624A16FB}" dt="2022-04-11T10:44:33.477" v="4296" actId="1076"/>
+          <ac:spMkLst>
+            <pc:docMk/>
+            <pc:sldMk cId="1729581889" sldId="302"/>
+            <ac:spMk id="4" creationId="{1BAE23C8-468C-4AE3-B9E2-ED2F4325C106}"/>
+          </ac:spMkLst>
+        </pc:spChg>
       </pc:sldChg>
       <pc:sldChg chg="del">
         <pc:chgData name="Matthew Suderman" userId="2709995e-3ea8-4fb0-9b62-eb8034dec529" providerId="ADAL" clId="{3E343596-B124-4CC4-BA1C-16C6624A16FB}" dt="2022-04-11T00:47:52.430" v="20" actId="47"/>
@@ -408,12 +449,20 @@
           <pc:sldMk cId="236093039" sldId="303"/>
         </pc:sldMkLst>
       </pc:sldChg>
-      <pc:sldChg chg="addSp delSp modSp new mod">
-        <pc:chgData name="Matthew Suderman" userId="2709995e-3ea8-4fb0-9b62-eb8034dec529" providerId="ADAL" clId="{3E343596-B124-4CC4-BA1C-16C6624A16FB}" dt="2022-04-11T01:29:57.700" v="861" actId="1035"/>
+      <pc:sldChg chg="addSp delSp modSp new mod ord">
+        <pc:chgData name="Matthew Suderman" userId="2709995e-3ea8-4fb0-9b62-eb8034dec529" providerId="ADAL" clId="{3E343596-B124-4CC4-BA1C-16C6624A16FB}" dt="2022-04-11T10:36:27.401" v="3694"/>
         <pc:sldMkLst>
           <pc:docMk/>
           <pc:sldMk cId="2928803660" sldId="303"/>
         </pc:sldMkLst>
+        <pc:spChg chg="del">
+          <ac:chgData name="Matthew Suderman" userId="2709995e-3ea8-4fb0-9b62-eb8034dec529" providerId="ADAL" clId="{3E343596-B124-4CC4-BA1C-16C6624A16FB}" dt="2022-04-11T10:35:56.838" v="3686" actId="478"/>
+          <ac:spMkLst>
+            <pc:docMk/>
+            <pc:sldMk cId="2928803660" sldId="303"/>
+            <ac:spMk id="2" creationId="{6E137089-8DA6-4ED6-99FA-6B76CE538FFE}"/>
+          </ac:spMkLst>
+        </pc:spChg>
         <pc:spChg chg="del">
           <ac:chgData name="Matthew Suderman" userId="2709995e-3ea8-4fb0-9b62-eb8034dec529" providerId="ADAL" clId="{3E343596-B124-4CC4-BA1C-16C6624A16FB}" dt="2022-04-11T01:28:57.647" v="815" actId="22"/>
           <ac:spMkLst>
@@ -423,7 +472,7 @@
           </ac:spMkLst>
         </pc:spChg>
         <pc:picChg chg="add mod ord">
-          <ac:chgData name="Matthew Suderman" userId="2709995e-3ea8-4fb0-9b62-eb8034dec529" providerId="ADAL" clId="{3E343596-B124-4CC4-BA1C-16C6624A16FB}" dt="2022-04-11T01:29:57.700" v="861" actId="1035"/>
+          <ac:chgData name="Matthew Suderman" userId="2709995e-3ea8-4fb0-9b62-eb8034dec529" providerId="ADAL" clId="{3E343596-B124-4CC4-BA1C-16C6624A16FB}" dt="2022-04-11T10:36:08.327" v="3689" actId="14100"/>
           <ac:picMkLst>
             <pc:docMk/>
             <pc:sldMk cId="2928803660" sldId="303"/>
@@ -431,7 +480,7 @@
           </ac:picMkLst>
         </pc:picChg>
         <pc:picChg chg="add mod">
-          <ac:chgData name="Matthew Suderman" userId="2709995e-3ea8-4fb0-9b62-eb8034dec529" providerId="ADAL" clId="{3E343596-B124-4CC4-BA1C-16C6624A16FB}" dt="2022-04-11T01:29:57.700" v="861" actId="1035"/>
+          <ac:chgData name="Matthew Suderman" userId="2709995e-3ea8-4fb0-9b62-eb8034dec529" providerId="ADAL" clId="{3E343596-B124-4CC4-BA1C-16C6624A16FB}" dt="2022-04-11T10:36:14.253" v="3690" actId="14100"/>
           <ac:picMkLst>
             <pc:docMk/>
             <pc:sldMk cId="2928803660" sldId="303"/>
@@ -439,12 +488,20 @@
           </ac:picMkLst>
         </pc:picChg>
       </pc:sldChg>
-      <pc:sldChg chg="modSp new mod">
-        <pc:chgData name="Matthew Suderman" userId="2709995e-3ea8-4fb0-9b62-eb8034dec529" providerId="ADAL" clId="{3E343596-B124-4CC4-BA1C-16C6624A16FB}" dt="2022-04-11T01:33:58.492" v="966" actId="313"/>
+      <pc:sldChg chg="addSp modSp new mod ord">
+        <pc:chgData name="Matthew Suderman" userId="2709995e-3ea8-4fb0-9b62-eb8034dec529" providerId="ADAL" clId="{3E343596-B124-4CC4-BA1C-16C6624A16FB}" dt="2022-04-11T10:43:18.659" v="4215"/>
         <pc:sldMkLst>
           <pc:docMk/>
           <pc:sldMk cId="3876573143" sldId="304"/>
         </pc:sldMkLst>
+        <pc:spChg chg="mod">
+          <ac:chgData name="Matthew Suderman" userId="2709995e-3ea8-4fb0-9b62-eb8034dec529" providerId="ADAL" clId="{3E343596-B124-4CC4-BA1C-16C6624A16FB}" dt="2022-04-11T10:38:41.790" v="3892" actId="20577"/>
+          <ac:spMkLst>
+            <pc:docMk/>
+            <pc:sldMk cId="3876573143" sldId="304"/>
+            <ac:spMk id="2" creationId="{1AD354DC-C975-4AA8-BEC8-C96A93E5AF4B}"/>
+          </ac:spMkLst>
+        </pc:spChg>
         <pc:spChg chg="mod">
           <ac:chgData name="Matthew Suderman" userId="2709995e-3ea8-4fb0-9b62-eb8034dec529" providerId="ADAL" clId="{3E343596-B124-4CC4-BA1C-16C6624A16FB}" dt="2022-04-11T01:33:58.492" v="966" actId="313"/>
           <ac:spMkLst>
@@ -453,21 +510,45 @@
             <ac:spMk id="3" creationId="{DA0ACC3D-C00C-430E-AA6A-AEA12130F50C}"/>
           </ac:spMkLst>
         </pc:spChg>
-      </pc:sldChg>
-      <pc:sldChg chg="modSp new mod">
-        <pc:chgData name="Matthew Suderman" userId="2709995e-3ea8-4fb0-9b62-eb8034dec529" providerId="ADAL" clId="{3E343596-B124-4CC4-BA1C-16C6624A16FB}" dt="2022-04-11T02:01:37.578" v="2270" actId="20577"/>
+        <pc:spChg chg="add mod">
+          <ac:chgData name="Matthew Suderman" userId="2709995e-3ea8-4fb0-9b62-eb8034dec529" providerId="ADAL" clId="{3E343596-B124-4CC4-BA1C-16C6624A16FB}" dt="2022-04-11T10:43:18.659" v="4215"/>
+          <ac:spMkLst>
+            <pc:docMk/>
+            <pc:sldMk cId="3876573143" sldId="304"/>
+            <ac:spMk id="4" creationId="{4482C1D3-F024-4DBA-B467-589977B9677A}"/>
+          </ac:spMkLst>
+        </pc:spChg>
+      </pc:sldChg>
+      <pc:sldChg chg="addSp modSp new mod">
+        <pc:chgData name="Matthew Suderman" userId="2709995e-3ea8-4fb0-9b62-eb8034dec529" providerId="ADAL" clId="{3E343596-B124-4CC4-BA1C-16C6624A16FB}" dt="2022-04-11T10:57:49.560" v="4521" actId="20577"/>
         <pc:sldMkLst>
           <pc:docMk/>
           <pc:sldMk cId="150397246" sldId="305"/>
         </pc:sldMkLst>
         <pc:spChg chg="mod">
-          <ac:chgData name="Matthew Suderman" userId="2709995e-3ea8-4fb0-9b62-eb8034dec529" providerId="ADAL" clId="{3E343596-B124-4CC4-BA1C-16C6624A16FB}" dt="2022-04-11T02:01:37.578" v="2270" actId="20577"/>
+          <ac:chgData name="Matthew Suderman" userId="2709995e-3ea8-4fb0-9b62-eb8034dec529" providerId="ADAL" clId="{3E343596-B124-4CC4-BA1C-16C6624A16FB}" dt="2022-04-11T10:39:11.958" v="3968" actId="20577"/>
+          <ac:spMkLst>
+            <pc:docMk/>
+            <pc:sldMk cId="150397246" sldId="305"/>
+            <ac:spMk id="2" creationId="{EB3972B9-0D30-4538-A57C-45F6690C78EC}"/>
+          </ac:spMkLst>
+        </pc:spChg>
+        <pc:spChg chg="mod">
+          <ac:chgData name="Matthew Suderman" userId="2709995e-3ea8-4fb0-9b62-eb8034dec529" providerId="ADAL" clId="{3E343596-B124-4CC4-BA1C-16C6624A16FB}" dt="2022-04-11T10:57:49.560" v="4521" actId="20577"/>
           <ac:spMkLst>
             <pc:docMk/>
             <pc:sldMk cId="150397246" sldId="305"/>
             <ac:spMk id="3" creationId="{5BAF0F0F-432A-4999-AE82-3FAE37DA846A}"/>
           </ac:spMkLst>
         </pc:spChg>
+        <pc:spChg chg="add mod">
+          <ac:chgData name="Matthew Suderman" userId="2709995e-3ea8-4fb0-9b62-eb8034dec529" providerId="ADAL" clId="{3E343596-B124-4CC4-BA1C-16C6624A16FB}" dt="2022-04-11T10:44:51.877" v="4309" actId="1076"/>
+          <ac:spMkLst>
+            <pc:docMk/>
+            <pc:sldMk cId="150397246" sldId="305"/>
+            <ac:spMk id="4" creationId="{851B1CC7-34AD-4BCD-9917-519B164A9DB5}"/>
+          </ac:spMkLst>
+        </pc:spChg>
       </pc:sldChg>
       <pc:sldChg chg="del">
         <pc:chgData name="Matthew Suderman" userId="2709995e-3ea8-4fb0-9b62-eb8034dec529" providerId="ADAL" clId="{3E343596-B124-4CC4-BA1C-16C6624A16FB}" dt="2022-04-11T00:47:52.430" v="20" actId="47"/>
@@ -483,27 +564,51 @@
           <pc:sldMk cId="443623940" sldId="306"/>
         </pc:sldMkLst>
       </pc:sldChg>
-      <pc:sldChg chg="modSp new mod">
-        <pc:chgData name="Matthew Suderman" userId="2709995e-3ea8-4fb0-9b62-eb8034dec529" providerId="ADAL" clId="{3E343596-B124-4CC4-BA1C-16C6624A16FB}" dt="2022-04-11T01:55:19.745" v="2266" actId="20577"/>
+      <pc:sldChg chg="addSp modSp new mod ord">
+        <pc:chgData name="Matthew Suderman" userId="2709995e-3ea8-4fb0-9b62-eb8034dec529" providerId="ADAL" clId="{3E343596-B124-4CC4-BA1C-16C6624A16FB}" dt="2022-04-11T10:43:14.652" v="4214"/>
         <pc:sldMkLst>
           <pc:docMk/>
           <pc:sldMk cId="1139020472" sldId="306"/>
         </pc:sldMkLst>
         <pc:spChg chg="mod">
-          <ac:chgData name="Matthew Suderman" userId="2709995e-3ea8-4fb0-9b62-eb8034dec529" providerId="ADAL" clId="{3E343596-B124-4CC4-BA1C-16C6624A16FB}" dt="2022-04-11T01:55:19.745" v="2266" actId="20577"/>
+          <ac:chgData name="Matthew Suderman" userId="2709995e-3ea8-4fb0-9b62-eb8034dec529" providerId="ADAL" clId="{3E343596-B124-4CC4-BA1C-16C6624A16FB}" dt="2022-04-11T10:40:02.622" v="4030" actId="20577"/>
+          <ac:spMkLst>
+            <pc:docMk/>
+            <pc:sldMk cId="1139020472" sldId="306"/>
+            <ac:spMk id="2" creationId="{D15AAF81-673C-4A7E-87B6-74F9C10E8016}"/>
+          </ac:spMkLst>
+        </pc:spChg>
+        <pc:spChg chg="mod">
+          <ac:chgData name="Matthew Suderman" userId="2709995e-3ea8-4fb0-9b62-eb8034dec529" providerId="ADAL" clId="{3E343596-B124-4CC4-BA1C-16C6624A16FB}" dt="2022-04-11T10:40:19.762" v="4067" actId="20577"/>
           <ac:spMkLst>
             <pc:docMk/>
             <pc:sldMk cId="1139020472" sldId="306"/>
             <ac:spMk id="3" creationId="{5ACDAEB8-20C7-4B59-8826-A213BA3166EA}"/>
           </ac:spMkLst>
         </pc:spChg>
-      </pc:sldChg>
-      <pc:sldChg chg="modSp new mod">
-        <pc:chgData name="Matthew Suderman" userId="2709995e-3ea8-4fb0-9b62-eb8034dec529" providerId="ADAL" clId="{3E343596-B124-4CC4-BA1C-16C6624A16FB}" dt="2022-04-11T02:11:38.581" v="3032" actId="20577"/>
+        <pc:spChg chg="add mod">
+          <ac:chgData name="Matthew Suderman" userId="2709995e-3ea8-4fb0-9b62-eb8034dec529" providerId="ADAL" clId="{3E343596-B124-4CC4-BA1C-16C6624A16FB}" dt="2022-04-11T10:43:14.652" v="4214"/>
+          <ac:spMkLst>
+            <pc:docMk/>
+            <pc:sldMk cId="1139020472" sldId="306"/>
+            <ac:spMk id="4" creationId="{8A090003-5F7F-444C-A621-19C54FA6EEF5}"/>
+          </ac:spMkLst>
+        </pc:spChg>
+      </pc:sldChg>
+      <pc:sldChg chg="addSp modSp new mod">
+        <pc:chgData name="Matthew Suderman" userId="2709995e-3ea8-4fb0-9b62-eb8034dec529" providerId="ADAL" clId="{3E343596-B124-4CC4-BA1C-16C6624A16FB}" dt="2022-04-11T10:43:08.700" v="4213" actId="207"/>
         <pc:sldMkLst>
           <pc:docMk/>
           <pc:sldMk cId="847729042" sldId="307"/>
         </pc:sldMkLst>
+        <pc:spChg chg="mod">
+          <ac:chgData name="Matthew Suderman" userId="2709995e-3ea8-4fb0-9b62-eb8034dec529" providerId="ADAL" clId="{3E343596-B124-4CC4-BA1C-16C6624A16FB}" dt="2022-04-11T10:40:58.764" v="4123" actId="20577"/>
+          <ac:spMkLst>
+            <pc:docMk/>
+            <pc:sldMk cId="847729042" sldId="307"/>
+            <ac:spMk id="2" creationId="{FBEC9E5B-499A-4F5B-9C93-271B210E8C01}"/>
+          </ac:spMkLst>
+        </pc:spChg>
         <pc:spChg chg="mod">
           <ac:chgData name="Matthew Suderman" userId="2709995e-3ea8-4fb0-9b62-eb8034dec529" providerId="ADAL" clId="{3E343596-B124-4CC4-BA1C-16C6624A16FB}" dt="2022-04-11T02:11:38.581" v="3032" actId="20577"/>
           <ac:spMkLst>
@@ -512,6 +617,14 @@
             <ac:spMk id="3" creationId="{C37614CC-A62C-4AED-8D39-B5E370A63E7D}"/>
           </ac:spMkLst>
         </pc:spChg>
+        <pc:spChg chg="add mod">
+          <ac:chgData name="Matthew Suderman" userId="2709995e-3ea8-4fb0-9b62-eb8034dec529" providerId="ADAL" clId="{3E343596-B124-4CC4-BA1C-16C6624A16FB}" dt="2022-04-11T10:43:08.700" v="4213" actId="207"/>
+          <ac:spMkLst>
+            <pc:docMk/>
+            <pc:sldMk cId="847729042" sldId="307"/>
+            <ac:spMk id="4" creationId="{0531063F-6D8E-44B7-9E62-31F571CE8184}"/>
+          </ac:spMkLst>
+        </pc:spChg>
       </pc:sldChg>
       <pc:sldChg chg="del">
         <pc:chgData name="Matthew Suderman" userId="2709995e-3ea8-4fb0-9b62-eb8034dec529" providerId="ADAL" clId="{3E343596-B124-4CC4-BA1C-16C6624A16FB}" dt="2022-04-11T00:47:52.430" v="20" actId="47"/>
@@ -527,12 +640,74 @@
           <pc:sldMk cId="2471345152" sldId="308"/>
         </pc:sldMkLst>
       </pc:sldChg>
+      <pc:sldChg chg="modSp new mod">
+        <pc:chgData name="Matthew Suderman" userId="2709995e-3ea8-4fb0-9b62-eb8034dec529" providerId="ADAL" clId="{3E343596-B124-4CC4-BA1C-16C6624A16FB}" dt="2022-04-11T10:34:30.744" v="3665" actId="20577"/>
+        <pc:sldMkLst>
+          <pc:docMk/>
+          <pc:sldMk cId="3578472354" sldId="308"/>
+        </pc:sldMkLst>
+        <pc:spChg chg="mod">
+          <ac:chgData name="Matthew Suderman" userId="2709995e-3ea8-4fb0-9b62-eb8034dec529" providerId="ADAL" clId="{3E343596-B124-4CC4-BA1C-16C6624A16FB}" dt="2022-04-11T10:30:36.299" v="3130" actId="20577"/>
+          <ac:spMkLst>
+            <pc:docMk/>
+            <pc:sldMk cId="3578472354" sldId="308"/>
+            <ac:spMk id="2" creationId="{C30DC73B-34D3-47D1-8DEE-F81C7F1A7403}"/>
+          </ac:spMkLst>
+        </pc:spChg>
+        <pc:spChg chg="mod">
+          <ac:chgData name="Matthew Suderman" userId="2709995e-3ea8-4fb0-9b62-eb8034dec529" providerId="ADAL" clId="{3E343596-B124-4CC4-BA1C-16C6624A16FB}" dt="2022-04-11T10:34:30.744" v="3665" actId="20577"/>
+          <ac:spMkLst>
+            <pc:docMk/>
+            <pc:sldMk cId="3578472354" sldId="308"/>
+            <ac:spMk id="3" creationId="{3D37C9F7-EA1D-44DD-BA61-3F38C9C6D544}"/>
+          </ac:spMkLst>
+        </pc:spChg>
+      </pc:sldChg>
       <pc:sldChg chg="del">
         <pc:chgData name="Matthew Suderman" userId="2709995e-3ea8-4fb0-9b62-eb8034dec529" providerId="ADAL" clId="{3E343596-B124-4CC4-BA1C-16C6624A16FB}" dt="2022-04-11T00:47:52.430" v="20" actId="47"/>
         <pc:sldMkLst>
           <pc:docMk/>
           <pc:sldMk cId="1445620908" sldId="309"/>
         </pc:sldMkLst>
+      </pc:sldChg>
+      <pc:sldChg chg="addSp delSp modSp new del mod modClrScheme chgLayout">
+        <pc:chgData name="Matthew Suderman" userId="2709995e-3ea8-4fb0-9b62-eb8034dec529" providerId="ADAL" clId="{3E343596-B124-4CC4-BA1C-16C6624A16FB}" dt="2022-04-11T10:43:21.896" v="4216" actId="47"/>
+        <pc:sldMkLst>
+          <pc:docMk/>
+          <pc:sldMk cId="3843350145" sldId="309"/>
+        </pc:sldMkLst>
+        <pc:spChg chg="del mod ord">
+          <ac:chgData name="Matthew Suderman" userId="2709995e-3ea8-4fb0-9b62-eb8034dec529" providerId="ADAL" clId="{3E343596-B124-4CC4-BA1C-16C6624A16FB}" dt="2022-04-11T10:41:33.803" v="4127" actId="700"/>
+          <ac:spMkLst>
+            <pc:docMk/>
+            <pc:sldMk cId="3843350145" sldId="309"/>
+            <ac:spMk id="2" creationId="{7C8BDC66-23EF-4287-B328-D35503998479}"/>
+          </ac:spMkLst>
+        </pc:spChg>
+        <pc:spChg chg="del mod ord">
+          <ac:chgData name="Matthew Suderman" userId="2709995e-3ea8-4fb0-9b62-eb8034dec529" providerId="ADAL" clId="{3E343596-B124-4CC4-BA1C-16C6624A16FB}" dt="2022-04-11T10:41:33.803" v="4127" actId="700"/>
+          <ac:spMkLst>
+            <pc:docMk/>
+            <pc:sldMk cId="3843350145" sldId="309"/>
+            <ac:spMk id="3" creationId="{17609A3E-2E57-4EAA-94A7-CD113CB90DCE}"/>
+          </ac:spMkLst>
+        </pc:spChg>
+        <pc:spChg chg="add mod ord">
+          <ac:chgData name="Matthew Suderman" userId="2709995e-3ea8-4fb0-9b62-eb8034dec529" providerId="ADAL" clId="{3E343596-B124-4CC4-BA1C-16C6624A16FB}" dt="2022-04-11T10:41:38.592" v="4139" actId="5793"/>
+          <ac:spMkLst>
+            <pc:docMk/>
+            <pc:sldMk cId="3843350145" sldId="309"/>
+            <ac:spMk id="4" creationId="{F181FF86-B3EF-429D-A32A-964C42CB9ECA}"/>
+          </ac:spMkLst>
+        </pc:spChg>
+        <pc:spChg chg="add del mod ord">
+          <ac:chgData name="Matthew Suderman" userId="2709995e-3ea8-4fb0-9b62-eb8034dec529" providerId="ADAL" clId="{3E343596-B124-4CC4-BA1C-16C6624A16FB}" dt="2022-04-11T10:41:42.462" v="4140" actId="478"/>
+          <ac:spMkLst>
+            <pc:docMk/>
+            <pc:sldMk cId="3843350145" sldId="309"/>
+            <ac:spMk id="5" creationId="{F9D3A006-08E0-4C85-ADB2-68487FDA4580}"/>
+          </ac:spMkLst>
+        </pc:spChg>
       </pc:sldChg>
       <pc:sldChg chg="del">
         <pc:chgData name="Matthew Suderman" userId="2709995e-3ea8-4fb0-9b62-eb8034dec529" providerId="ADAL" clId="{3E343596-B124-4CC4-BA1C-16C6624A16FB}" dt="2022-04-11T00:47:52.430" v="20" actId="47"/>
@@ -10220,7 +10395,7 @@
           <p:cNvPr id="2" name="Title 1">
             <a:extLst>
               <a:ext uri="{FF2B5EF4-FFF2-40B4-BE49-F238E27FC236}">
-                <a16:creationId xmlns:a16="http://schemas.microsoft.com/office/drawing/2014/main" id="{EB3972B9-0D30-4538-A57C-45F6690C78EC}"/>
+                <a16:creationId xmlns:a16="http://schemas.microsoft.com/office/drawing/2014/main" id="{D15AAF81-673C-4A7E-87B6-74F9C10E8016}"/>
               </a:ext>
             </a:extLst>
           </p:cNvPr>
@@ -10236,7 +10411,19 @@
           <a:bodyPr/>
           <a:lstStyle/>
           <a:p>
-            <a:endParaRPr lang="en-US"/>
+            <a:r>
+              <a:rPr lang="en-CA" dirty="0"/>
+              <a:t>Each </a:t>
+            </a:r>
+            <a:r>
+              <a:rPr lang="en-CA" dirty="0" err="1"/>
+              <a:t>omic</a:t>
+            </a:r>
+            <a:r>
+              <a:rPr lang="en-CA" dirty="0"/>
+              <a:t> uniquely explains blood pressure</a:t>
+            </a:r>
+            <a:endParaRPr lang="en-US" dirty="0"/>
           </a:p>
         </p:txBody>
       </p:sp>
@@ -10245,7 +10432,7 @@
           <p:cNvPr id="3" name="Content Placeholder 2">
             <a:extLst>
               <a:ext uri="{FF2B5EF4-FFF2-40B4-BE49-F238E27FC236}">
-                <a16:creationId xmlns:a16="http://schemas.microsoft.com/office/drawing/2014/main" id="{5BAF0F0F-432A-4999-AE82-3FAE37DA846A}"/>
+                <a16:creationId xmlns:a16="http://schemas.microsoft.com/office/drawing/2014/main" id="{5ACDAEB8-20C7-4B59-8826-A213BA3166EA}"/>
               </a:ext>
             </a:extLst>
           </p:cNvPr>
@@ -10265,24 +10452,20 @@
               <a:buNone/>
             </a:pPr>
             <a:r>
+              <a:rPr lang="en-US" dirty="0" err="1"/>
+              <a:t>Drouard</a:t>
+            </a:r>
+            <a:r>
               <a:rPr lang="en-US" dirty="0"/>
-              <a:t>Li, et al. (2022). </a:t>
+              <a:t>, et al. (2022). </a:t>
             </a:r>
             <a:r>
               <a:rPr lang="en-US" b="1" dirty="0"/>
-              <a:t>Early life affects late-life health through determining DNA methylation across the lifespan: A twin study.</a:t>
+              <a:t>Multi-Omics Integration in a Twin Cohort and Predictive Modeling of Blood Pressure Values.</a:t>
             </a:r>
             <a:r>
               <a:rPr lang="en-US" dirty="0"/>
-              <a:t> </a:t>
-            </a:r>
-            <a:r>
-              <a:rPr lang="en-US" dirty="0" err="1"/>
-              <a:t>EBioMedicine</a:t>
-            </a:r>
-            <a:r>
-              <a:rPr lang="en-US" dirty="0"/>
-              <a:t>, 77, 103927. </a:t>
+              <a:t> Omics : a journal of integrative biology, 26(3), 130–141. </a:t>
             </a:r>
           </a:p>
           <a:p>
@@ -10297,7 +10480,7 @@
             </a:pPr>
             <a:r>
               <a:rPr lang="en-US" dirty="0"/>
-              <a:t>1,720 monozygotic twin (MZ) pairs</a:t>
+              <a:t>hundreds of twins</a:t>
             </a:r>
           </a:p>
           <a:p>
@@ -10306,34 +10489,7 @@
             </a:pPr>
             <a:r>
               <a:rPr lang="en-US" dirty="0"/>
-              <a:t>1,107 dizygotic twin (DZ) pairs </a:t>
-            </a:r>
-          </a:p>
-          <a:p>
-            <a:pPr marL="0" indent="0">
-              <a:buNone/>
-            </a:pPr>
-            <a:r>
-              <a:rPr lang="en-US" dirty="0"/>
-              <a:t>Aged 0-92 years</a:t>
-            </a:r>
-          </a:p>
-          <a:p>
-            <a:pPr marL="0" indent="0">
-              <a:buNone/>
-            </a:pPr>
-            <a:r>
-              <a:rPr lang="en-US" dirty="0"/>
-              <a:t>Cohabitation history </a:t>
-            </a:r>
-          </a:p>
-          <a:p>
-            <a:pPr marL="0" indent="0">
-              <a:buNone/>
-            </a:pPr>
-            <a:r>
-              <a:rPr lang="en-US" dirty="0"/>
-              <a:t>450K DNA methylation</a:t>
+              <a:t>transcriptomes, methylomes, metabolomes, polygenic risk scores, clinical data </a:t>
             </a:r>
           </a:p>
           <a:p>
@@ -10348,53 +10504,61 @@
             </a:pPr>
             <a:r>
               <a:rPr lang="en-US" dirty="0"/>
-              <a:t>Between-twin </a:t>
-            </a:r>
-            <a:r>
-              <a:rPr lang="en-US" dirty="0" err="1"/>
-              <a:t>DNAm</a:t>
-            </a:r>
-            <a:r>
-              <a:rPr lang="en-US" dirty="0"/>
-              <a:t> correlation was 0 at birth</a:t>
+              <a:t>“each block of omics heterogeneously improved the predictions of blood pressure values once the multi-omics data were integrated”</a:t>
             </a:r>
           </a:p>
+        </p:txBody>
+      </p:sp>
+      <p:sp>
+        <p:nvSpPr>
+          <p:cNvPr id="4" name="TextBox 3">
+            <a:extLst>
+              <a:ext uri="{FF2B5EF4-FFF2-40B4-BE49-F238E27FC236}">
+                <a16:creationId xmlns:a16="http://schemas.microsoft.com/office/drawing/2014/main" id="{8A090003-5F7F-444C-A621-19C54FA6EEF5}"/>
+              </a:ext>
+            </a:extLst>
+          </p:cNvPr>
+          <p:cNvSpPr txBox="1"/>
+          <p:nvPr/>
+        </p:nvSpPr>
+        <p:spPr>
+          <a:xfrm>
+            <a:off x="590364" y="172551"/>
+            <a:ext cx="1742786" cy="461665"/>
+          </a:xfrm>
+          <a:prstGeom prst="rect">
+            <a:avLst/>
+          </a:prstGeom>
+          <a:noFill/>
+        </p:spPr>
+        <p:txBody>
+          <a:bodyPr wrap="none" rtlCol="0">
+            <a:spAutoFit/>
+          </a:bodyPr>
+          <a:lstStyle/>
           <a:p>
-            <a:pPr marL="0" indent="0">
-              <a:buNone/>
-            </a:pPr>
-            <a:r>
-              <a:rPr lang="en-US" dirty="0"/>
-              <a:t>- Increased by 0.16 per decade for MZ twins and 0.13 per decide for DC twins (childhood)</a:t>
-            </a:r>
-          </a:p>
-          <a:p>
-            <a:pPr marL="0" indent="0">
-              <a:buNone/>
-            </a:pPr>
-            <a:r>
-              <a:rPr lang="en-US" dirty="0"/>
-              <a:t>- Decreased by 0.026 per decade living apart for MZ twins and 0.027 for DZ twins (adulthood) </a:t>
-            </a:r>
-          </a:p>
-          <a:p>
-            <a:pPr marL="0" indent="0">
-              <a:buNone/>
-            </a:pPr>
-            <a:endParaRPr lang="en-US" dirty="0"/>
-          </a:p>
-          <a:p>
-            <a:pPr marL="0" indent="0">
-              <a:buNone/>
-            </a:pPr>
-            <a:endParaRPr lang="en-US" dirty="0"/>
+            <a:r>
+              <a:rPr lang="en-CA" dirty="0">
+                <a:solidFill>
+                  <a:srgbClr val="0070C0"/>
+                </a:solidFill>
+                <a:latin typeface="+mn-lt"/>
+              </a:rPr>
+              <a:t>Multi-omics</a:t>
+            </a:r>
+            <a:endParaRPr lang="en-US" dirty="0">
+              <a:solidFill>
+                <a:srgbClr val="0070C0"/>
+              </a:solidFill>
+              <a:latin typeface="+mn-lt"/>
+            </a:endParaRPr>
           </a:p>
         </p:txBody>
       </p:sp>
     </p:spTree>
     <p:extLst>
       <p:ext uri="{BB962C8B-B14F-4D97-AF65-F5344CB8AC3E}">
-        <p14:creationId xmlns:p14="http://schemas.microsoft.com/office/powerpoint/2010/main" val="150397246"/>
+        <p14:creationId xmlns:p14="http://schemas.microsoft.com/office/powerpoint/2010/main" val="1139020472"/>
       </p:ext>
     </p:extLst>
   </p:cSld>
@@ -10427,7 +10591,7 @@
           <p:cNvPr id="2" name="Title 1">
             <a:extLst>
               <a:ext uri="{FF2B5EF4-FFF2-40B4-BE49-F238E27FC236}">
-                <a16:creationId xmlns:a16="http://schemas.microsoft.com/office/drawing/2014/main" id="{D15AAF81-673C-4A7E-87B6-74F9C10E8016}"/>
+                <a16:creationId xmlns:a16="http://schemas.microsoft.com/office/drawing/2014/main" id="{1AD354DC-C975-4AA8-BEC8-C96A93E5AF4B}"/>
               </a:ext>
             </a:extLst>
           </p:cNvPr>
@@ -10443,7 +10607,11 @@
           <a:bodyPr/>
           <a:lstStyle/>
           <a:p>
-            <a:endParaRPr lang="en-US"/>
+            <a:r>
+              <a:rPr lang="en-CA" dirty="0"/>
+              <a:t>DNA methylation-gene expression associations: children vs adults</a:t>
+            </a:r>
+            <a:endParaRPr lang="en-US" dirty="0"/>
           </a:p>
         </p:txBody>
       </p:sp>
@@ -10452,7 +10620,7 @@
           <p:cNvPr id="3" name="Content Placeholder 2">
             <a:extLst>
               <a:ext uri="{FF2B5EF4-FFF2-40B4-BE49-F238E27FC236}">
-                <a16:creationId xmlns:a16="http://schemas.microsoft.com/office/drawing/2014/main" id="{5ACDAEB8-20C7-4B59-8826-A213BA3166EA}"/>
+                <a16:creationId xmlns:a16="http://schemas.microsoft.com/office/drawing/2014/main" id="{DA0ACC3D-C00C-430E-AA6A-AEA12130F50C}"/>
               </a:ext>
             </a:extLst>
           </p:cNvPr>
@@ -10472,20 +10640,32 @@
               <a:buNone/>
             </a:pPr>
             <a:r>
+              <a:rPr lang="en-US" dirty="0"/>
+              <a:t>Ruiz-Arenas, et al. (2022). </a:t>
+            </a:r>
+            <a:r>
+              <a:rPr lang="en-US" b="1" dirty="0"/>
+              <a:t>Identification of autosomal cis expression quantitative trait methylation (cis </a:t>
+            </a:r>
+            <a:r>
+              <a:rPr lang="en-US" b="1" dirty="0" err="1"/>
+              <a:t>eQTMs</a:t>
+            </a:r>
+            <a:r>
+              <a:rPr lang="en-US" b="1" dirty="0"/>
+              <a:t>) in children's blood</a:t>
+            </a:r>
+            <a:r>
+              <a:rPr lang="en-US" dirty="0"/>
+              <a:t>. </a:t>
+            </a:r>
+            <a:r>
               <a:rPr lang="en-US" dirty="0" err="1"/>
-              <a:t>Drouard</a:t>
+              <a:t>eLife</a:t>
             </a:r>
             <a:r>
               <a:rPr lang="en-US" dirty="0"/>
-              <a:t>, et al. (2022). </a:t>
-            </a:r>
-            <a:r>
-              <a:rPr lang="en-US" b="1" dirty="0"/>
-              <a:t>Multi-Omics Integration in a Twin Cohort and Predictive Modeling of Blood Pressure Values.</a:t>
-            </a:r>
-            <a:r>
-              <a:rPr lang="en-US" dirty="0"/>
-              <a:t> Omics : a journal of integrative biology, 26(3), 130–141. </a:t>
+              <a:t>, 11, e65310. </a:t>
             </a:r>
           </a:p>
           <a:p>
@@ -10500,7 +10680,7 @@
             </a:pPr>
             <a:r>
               <a:rPr lang="en-US" dirty="0"/>
-              <a:t>hundreds of twins</a:t>
+              <a:t>832 children of the Human Early Life Exposome (HELIX) project.</a:t>
             </a:r>
           </a:p>
           <a:p>
@@ -10509,7 +10689,16 @@
             </a:pPr>
             <a:r>
               <a:rPr lang="en-US" dirty="0"/>
-              <a:t>transcriptomes, methylomes, metabolomes, polygenic risk scores, clinical data </a:t>
+              <a:t>blood DNA methylation measured with Illumina 450K arrays</a:t>
+            </a:r>
+          </a:p>
+          <a:p>
+            <a:pPr marL="0" indent="0">
+              <a:buNone/>
+            </a:pPr>
+            <a:r>
+              <a:rPr lang="en-US" dirty="0"/>
+              <a:t>blood gene expression measured with Affymetrix HTA v2 arrays</a:t>
             </a:r>
           </a:p>
           <a:p>
@@ -10524,15 +10713,108 @@
             </a:pPr>
             <a:r>
               <a:rPr lang="en-US" dirty="0"/>
-              <a:t>“each block of omics heterogeneously improved the predictions of blood pressure values once the multi-omics data were integrated”</a:t>
-            </a:r>
+              <a:t>“We identified 39,749 blood autosomal cis </a:t>
+            </a:r>
+            <a:r>
+              <a:rPr lang="en-US" dirty="0" err="1"/>
+              <a:t>eQTMs</a:t>
+            </a:r>
+            <a:r>
+              <a:rPr lang="en-US" dirty="0"/>
+              <a:t>, representing 21,966 unique </a:t>
+            </a:r>
+            <a:r>
+              <a:rPr lang="en-US" dirty="0" err="1"/>
+              <a:t>CpGs</a:t>
+            </a:r>
+            <a:r>
+              <a:rPr lang="en-US" dirty="0"/>
+              <a:t>”</a:t>
+            </a:r>
+          </a:p>
+          <a:p>
+            <a:pPr marL="0" indent="0">
+              <a:buNone/>
+            </a:pPr>
+            <a:endParaRPr lang="en-US" dirty="0"/>
+          </a:p>
+          <a:p>
+            <a:pPr marL="0" indent="0">
+              <a:buNone/>
+            </a:pPr>
+            <a:r>
+              <a:rPr lang="en-US" dirty="0"/>
+              <a:t>“The overlap of autosomal cis </a:t>
+            </a:r>
+            <a:r>
+              <a:rPr lang="en-US" dirty="0" err="1"/>
+              <a:t>eQTMs</a:t>
+            </a:r>
+            <a:r>
+              <a:rPr lang="en-US" dirty="0"/>
+              <a:t> in children's blood with those described in adults was small (13.8%), and age-shared cis </a:t>
+            </a:r>
+            <a:r>
+              <a:rPr lang="en-US" dirty="0" err="1"/>
+              <a:t>eQTMs</a:t>
+            </a:r>
+            <a:r>
+              <a:rPr lang="en-US" dirty="0"/>
+              <a:t> tended to be proximal to the TSS and enriched for genetic variants.”</a:t>
+            </a:r>
+          </a:p>
+        </p:txBody>
+      </p:sp>
+      <p:sp>
+        <p:nvSpPr>
+          <p:cNvPr id="4" name="TextBox 3">
+            <a:extLst>
+              <a:ext uri="{FF2B5EF4-FFF2-40B4-BE49-F238E27FC236}">
+                <a16:creationId xmlns:a16="http://schemas.microsoft.com/office/drawing/2014/main" id="{4482C1D3-F024-4DBA-B467-589977B9677A}"/>
+              </a:ext>
+            </a:extLst>
+          </p:cNvPr>
+          <p:cNvSpPr txBox="1"/>
+          <p:nvPr/>
+        </p:nvSpPr>
+        <p:spPr>
+          <a:xfrm>
+            <a:off x="590364" y="172551"/>
+            <a:ext cx="1742786" cy="461665"/>
+          </a:xfrm>
+          <a:prstGeom prst="rect">
+            <a:avLst/>
+          </a:prstGeom>
+          <a:noFill/>
+        </p:spPr>
+        <p:txBody>
+          <a:bodyPr wrap="none" rtlCol="0">
+            <a:spAutoFit/>
+          </a:bodyPr>
+          <a:lstStyle/>
+          <a:p>
+            <a:r>
+              <a:rPr lang="en-CA" dirty="0">
+                <a:solidFill>
+                  <a:srgbClr val="0070C0"/>
+                </a:solidFill>
+                <a:latin typeface="+mn-lt"/>
+              </a:rPr>
+              <a:t>Multi-omics</a:t>
+            </a:r>
+            <a:endParaRPr lang="en-US" dirty="0">
+              <a:solidFill>
+                <a:srgbClr val="0070C0"/>
+              </a:solidFill>
+              <a:latin typeface="+mn-lt"/>
+            </a:endParaRPr>
           </a:p>
         </p:txBody>
       </p:sp>
     </p:spTree>
     <p:extLst>
       <p:ext uri="{BB962C8B-B14F-4D97-AF65-F5344CB8AC3E}">
-        <p14:creationId xmlns:p14="http://schemas.microsoft.com/office/powerpoint/2010/main" val="1139020472"/>
+        <p14:creationId xmlns:p14="http://schemas.microsoft.com/office/powerpoint/2010/main" val="3876573143"/>
       </p:ext>
     </p:extLst>
   </p:cSld>
@@ -10565,7 +10847,7 @@
           <p:cNvPr id="2" name="Title 1">
             <a:extLst>
               <a:ext uri="{FF2B5EF4-FFF2-40B4-BE49-F238E27FC236}">
-                <a16:creationId xmlns:a16="http://schemas.microsoft.com/office/drawing/2014/main" id="{FBEC9E5B-499A-4F5B-9C93-271B210E8C01}"/>
+                <a16:creationId xmlns:a16="http://schemas.microsoft.com/office/drawing/2014/main" id="{C89EF028-B421-4529-A16C-9B9511D79410}"/>
               </a:ext>
             </a:extLst>
           </p:cNvPr>
@@ -10581,7 +10863,11 @@
           <a:bodyPr/>
           <a:lstStyle/>
           <a:p>
-            <a:endParaRPr lang="en-US"/>
+            <a:r>
+              <a:rPr lang="en-CA" dirty="0"/>
+              <a:t>Ethical implications of epigenetics in the clinic</a:t>
+            </a:r>
+            <a:endParaRPr lang="en-US" dirty="0"/>
           </a:p>
         </p:txBody>
       </p:sp>
@@ -10590,7 +10876,7 @@
           <p:cNvPr id="3" name="Content Placeholder 2">
             <a:extLst>
               <a:ext uri="{FF2B5EF4-FFF2-40B4-BE49-F238E27FC236}">
-                <a16:creationId xmlns:a16="http://schemas.microsoft.com/office/drawing/2014/main" id="{C37614CC-A62C-4AED-8D39-B5E370A63E7D}"/>
+                <a16:creationId xmlns:a16="http://schemas.microsoft.com/office/drawing/2014/main" id="{D7A67566-490A-4D03-8DD5-065B5493D593}"/>
               </a:ext>
             </a:extLst>
           </p:cNvPr>
@@ -10601,12 +10887,7 @@
             <p:ph idx="1"/>
           </p:nvPr>
         </p:nvSpPr>
-        <p:spPr>
-          <a:xfrm>
-            <a:off x="609600" y="1377280"/>
-            <a:ext cx="10871200" cy="4572000"/>
-          </a:xfrm>
-        </p:spPr>
+        <p:spPr/>
         <p:txBody>
           <a:bodyPr/>
           <a:lstStyle/>
@@ -10615,185 +10896,28 @@
               <a:buNone/>
             </a:pPr>
             <a:r>
+              <a:rPr lang="en-US" dirty="0" err="1"/>
+              <a:t>Santaló</a:t>
+            </a:r>
+            <a:r>
               <a:rPr lang="en-US" dirty="0"/>
-              <a:t>Shuang Li, Cancan Qi, Patrick </a:t>
+              <a:t>, J., &amp; </a:t>
             </a:r>
             <a:r>
               <a:rPr lang="en-US" dirty="0" err="1"/>
-              <a:t>Deelen</a:t>
+              <a:t>Berdasco</a:t>
             </a:r>
             <a:r>
               <a:rPr lang="en-US" dirty="0"/>
-              <a:t>, </a:t>
-            </a:r>
-            <a:r>
-              <a:rPr lang="en-US" dirty="0" err="1"/>
-              <a:t>Floranne</a:t>
+              <a:t>, M. (2022). </a:t>
+            </a:r>
+            <a:r>
+              <a:rPr lang="en-US" b="1" dirty="0"/>
+              <a:t>Ethical implications of epigenetics in the era of personalized medicine</a:t>
             </a:r>
             <a:r>
               <a:rPr lang="en-US" dirty="0"/>
-              <a:t> Boulogne, Niek de Klein, BIOS Consortium, Gerard H. </a:t>
-            </a:r>
-            <a:r>
-              <a:rPr lang="en-US" dirty="0" err="1"/>
-              <a:t>Koppelman</a:t>
-            </a:r>
-            <a:r>
-              <a:rPr lang="en-US" dirty="0"/>
-              <a:t>, K. </a:t>
-            </a:r>
-            <a:r>
-              <a:rPr lang="en-US" dirty="0" err="1"/>
-              <a:t>Joeri</a:t>
-            </a:r>
-            <a:r>
-              <a:rPr lang="en-US" dirty="0"/>
-              <a:t> van der Velde, Lude Franke, Morris A. </a:t>
-            </a:r>
-            <a:r>
-              <a:rPr lang="en-US" dirty="0" err="1"/>
-              <a:t>Swertz</a:t>
-            </a:r>
-            <a:r>
-              <a:rPr lang="en-US" dirty="0"/>
-              <a:t>, Harm-Jan </a:t>
-            </a:r>
-            <a:r>
-              <a:rPr lang="en-US" dirty="0" err="1"/>
-              <a:t>Westra</a:t>
-            </a:r>
-            <a:r>
-              <a:rPr lang="en-US" dirty="0"/>
-              <a:t>. </a:t>
-            </a:r>
-            <a:r>
-              <a:rPr lang="en-US" b="1" dirty="0"/>
-              <a:t>Integration of public DNA methylation and expression networks via </a:t>
-            </a:r>
-            <a:r>
-              <a:rPr lang="en-US" b="1" dirty="0" err="1"/>
-              <a:t>eQTMs</a:t>
-            </a:r>
-            <a:r>
-              <a:rPr lang="en-US" b="1" dirty="0"/>
-              <a:t> improves prediction of functional gene–gene associations. </a:t>
-            </a:r>
-            <a:r>
-              <a:rPr lang="en-US" dirty="0" err="1"/>
-              <a:t>bioRxiv</a:t>
-            </a:r>
-            <a:r>
-              <a:rPr lang="en-US" dirty="0"/>
-              <a:t> 2021.12.17.473125</a:t>
-            </a:r>
-          </a:p>
-          <a:p>
-            <a:pPr marL="0" indent="0">
-              <a:buNone/>
-            </a:pPr>
-            <a:r>
-              <a:rPr lang="en-US" u="sng" dirty="0"/>
-              <a:t>Input</a:t>
-            </a:r>
-          </a:p>
-          <a:p>
-            <a:r>
-              <a:rPr lang="en-US" dirty="0" err="1"/>
-              <a:t>eQTM</a:t>
-            </a:r>
-            <a:r>
-              <a:rPr lang="en-US" dirty="0"/>
-              <a:t> meta-analysis of 3,574 gene expression and methylation samples from blood, brain and nasal epithelial brushed cells</a:t>
-            </a:r>
-          </a:p>
-          <a:p>
-            <a:r>
-              <a:rPr lang="en-US" dirty="0"/>
-              <a:t>Co-</a:t>
-            </a:r>
-            <a:r>
-              <a:rPr lang="en-US" dirty="0" err="1"/>
-              <a:t>MethylationNetwork</a:t>
-            </a:r>
-            <a:r>
-              <a:rPr lang="en-US" dirty="0"/>
-              <a:t> using 27,720 publicly available </a:t>
-            </a:r>
-            <a:r>
-              <a:rPr lang="en-US" dirty="0" err="1"/>
-              <a:t>DNAm</a:t>
-            </a:r>
-            <a:r>
-              <a:rPr lang="en-US" dirty="0"/>
-              <a:t> array profiles</a:t>
-            </a:r>
-          </a:p>
-          <a:p>
-            <a:r>
-              <a:rPr lang="en-US" dirty="0"/>
-              <a:t>Co-</a:t>
-            </a:r>
-            <a:r>
-              <a:rPr lang="en-US" dirty="0" err="1"/>
-              <a:t>ExpressionNetwork</a:t>
-            </a:r>
-            <a:r>
-              <a:rPr lang="en-US" dirty="0"/>
-              <a:t> using 31,499 publicly available RNA-seq profiles</a:t>
-            </a:r>
-          </a:p>
-          <a:p>
-            <a:pPr marL="0" indent="0">
-              <a:buNone/>
-            </a:pPr>
-            <a:r>
-              <a:rPr lang="en-US" u="sng" dirty="0"/>
-              <a:t>Aim</a:t>
-            </a:r>
-            <a:r>
-              <a:rPr lang="en-US" dirty="0"/>
-              <a:t> predict validated protein-protein interactions (PPIs) in the STRING database</a:t>
-            </a:r>
-          </a:p>
-          <a:p>
-            <a:pPr marL="0" indent="0">
-              <a:buNone/>
-            </a:pPr>
-            <a:r>
-              <a:rPr lang="en-US" u="sng" dirty="0"/>
-              <a:t>Results</a:t>
-            </a:r>
-            <a:r>
-              <a:rPr lang="en-US" dirty="0"/>
-              <a:t> </a:t>
-            </a:r>
-          </a:p>
-          <a:p>
-            <a:pPr>
-              <a:buFont typeface="Arial" panose="020B0604020202020204" pitchFamily="34" charset="0"/>
-              <a:buChar char="•"/>
-            </a:pPr>
-            <a:r>
-              <a:rPr lang="en-US" dirty="0"/>
-              <a:t>Links in both networks predict PPIs but with surprisingly little overlap</a:t>
-            </a:r>
-          </a:p>
-          <a:p>
-            <a:pPr>
-              <a:buFont typeface="Arial" panose="020B0604020202020204" pitchFamily="34" charset="0"/>
-              <a:buChar char="•"/>
-            </a:pPr>
-            <a:r>
-              <a:rPr lang="en-US" dirty="0"/>
-              <a:t>Merging of predictions using </a:t>
-            </a:r>
-            <a:r>
-              <a:rPr lang="en-US" dirty="0" err="1"/>
-              <a:t>eQTMs</a:t>
-            </a:r>
-            <a:r>
-              <a:rPr lang="en-US" dirty="0"/>
-              <a:t> and Canonical Correlation Analysis improved performance</a:t>
+              <a:t>. Clinical epigenetics, 14(1), 44.</a:t>
             </a:r>
           </a:p>
           <a:p>
@@ -10802,12 +10926,284 @@
             </a:pPr>
             <a:endParaRPr lang="en-US" dirty="0"/>
           </a:p>
+          <a:p>
+            <a:pPr marL="0" indent="0">
+              <a:buNone/>
+            </a:pPr>
+            <a:r>
+              <a:rPr lang="en-US" dirty="0"/>
+              <a:t>“In this review, we will identify and discuss current ethical, legal and social issues of epigenetics research in the context of personalized medicine.”</a:t>
+            </a:r>
+          </a:p>
+          <a:p>
+            <a:pPr marL="0" indent="0">
+              <a:buNone/>
+            </a:pPr>
+            <a:endParaRPr lang="en-US" dirty="0"/>
+          </a:p>
+          <a:p>
+            <a:pPr marL="0" indent="0">
+              <a:buNone/>
+            </a:pPr>
+            <a:r>
+              <a:rPr lang="en-US" dirty="0"/>
+              <a:t>For example:</a:t>
+            </a:r>
+          </a:p>
+          <a:p>
+            <a:r>
+              <a:rPr lang="en-US" dirty="0"/>
+              <a:t>patient autonomy </a:t>
+            </a:r>
+          </a:p>
+          <a:p>
+            <a:r>
+              <a:rPr lang="en-US" dirty="0"/>
+              <a:t>data protection </a:t>
+            </a:r>
+          </a:p>
+          <a:p>
+            <a:r>
+              <a:rPr lang="en-US" dirty="0"/>
+              <a:t>risk of social discrimination and stigmatization </a:t>
+            </a:r>
+          </a:p>
+          <a:p>
+            <a:r>
+              <a:rPr lang="en-US" dirty="0"/>
+              <a:t>distributive justice</a:t>
+            </a:r>
+          </a:p>
+        </p:txBody>
+      </p:sp>
+      <p:sp>
+        <p:nvSpPr>
+          <p:cNvPr id="4" name="TextBox 3">
+            <a:extLst>
+              <a:ext uri="{FF2B5EF4-FFF2-40B4-BE49-F238E27FC236}">
+                <a16:creationId xmlns:a16="http://schemas.microsoft.com/office/drawing/2014/main" id="{770AEA80-6C31-44BD-A6DE-E653834530E7}"/>
+              </a:ext>
+            </a:extLst>
+          </p:cNvPr>
+          <p:cNvSpPr txBox="1"/>
+          <p:nvPr/>
+        </p:nvSpPr>
+        <p:spPr>
+          <a:xfrm>
+            <a:off x="620675" y="227958"/>
+            <a:ext cx="1023037" cy="461665"/>
+          </a:xfrm>
+          <a:prstGeom prst="rect">
+            <a:avLst/>
+          </a:prstGeom>
+          <a:noFill/>
+        </p:spPr>
+        <p:txBody>
+          <a:bodyPr wrap="none" rtlCol="0">
+            <a:spAutoFit/>
+          </a:bodyPr>
+          <a:lstStyle/>
+          <a:p>
+            <a:r>
+              <a:rPr lang="en-CA" dirty="0">
+                <a:solidFill>
+                  <a:srgbClr val="0070C0"/>
+                </a:solidFill>
+                <a:latin typeface="+mn-lt"/>
+              </a:rPr>
+              <a:t>Ethics</a:t>
+            </a:r>
+            <a:endParaRPr lang="en-US" dirty="0">
+              <a:solidFill>
+                <a:srgbClr val="0070C0"/>
+              </a:solidFill>
+              <a:latin typeface="+mn-lt"/>
+            </a:endParaRPr>
+          </a:p>
         </p:txBody>
       </p:sp>
     </p:spTree>
     <p:extLst>
       <p:ext uri="{BB962C8B-B14F-4D97-AF65-F5344CB8AC3E}">
-        <p14:creationId xmlns:p14="http://schemas.microsoft.com/office/powerpoint/2010/main" val="847729042"/>
+        <p14:creationId xmlns:p14="http://schemas.microsoft.com/office/powerpoint/2010/main" val="1777325711"/>
+      </p:ext>
+    </p:extLst>
+  </p:cSld>
+  <p:clrMapOvr>
+    <a:masterClrMapping/>
+  </p:clrMapOvr>
+  <p:transition spd="med"/>
+</p:sld>
+</file>
+
+<file path=ppt/slides/slide13.xml><?xml version="1.0" encoding="utf-8"?>
+<p:sld xmlns:a="http://schemas.openxmlformats.org/drawingml/2006/main" xmlns:r="http://schemas.openxmlformats.org/officeDocument/2006/relationships" xmlns:p="http://schemas.openxmlformats.org/presentationml/2006/main">
+  <p:cSld>
+    <p:spTree>
+      <p:nvGrpSpPr>
+        <p:cNvPr id="1" name=""/>
+        <p:cNvGrpSpPr/>
+        <p:nvPr/>
+      </p:nvGrpSpPr>
+      <p:grpSpPr>
+        <a:xfrm>
+          <a:off x="0" y="0"/>
+          <a:ext cx="0" cy="0"/>
+          <a:chOff x="0" y="0"/>
+          <a:chExt cx="0" cy="0"/>
+        </a:xfrm>
+      </p:grpSpPr>
+      <p:sp>
+        <p:nvSpPr>
+          <p:cNvPr id="2" name="Title 1">
+            <a:extLst>
+              <a:ext uri="{FF2B5EF4-FFF2-40B4-BE49-F238E27FC236}">
+                <a16:creationId xmlns:a16="http://schemas.microsoft.com/office/drawing/2014/main" id="{C30DC73B-34D3-47D1-8DEE-F81C7F1A7403}"/>
+              </a:ext>
+            </a:extLst>
+          </p:cNvPr>
+          <p:cNvSpPr>
+            <a:spLocks noGrp="1"/>
+          </p:cNvSpPr>
+          <p:nvPr>
+            <p:ph type="title"/>
+          </p:nvPr>
+        </p:nvSpPr>
+        <p:spPr/>
+        <p:txBody>
+          <a:bodyPr/>
+          <a:lstStyle/>
+          <a:p>
+            <a:r>
+              <a:rPr lang="en-CA" dirty="0"/>
+              <a:t>Short courses</a:t>
+            </a:r>
+            <a:endParaRPr lang="en-US" dirty="0"/>
+          </a:p>
+        </p:txBody>
+      </p:sp>
+      <p:sp>
+        <p:nvSpPr>
+          <p:cNvPr id="3" name="Content Placeholder 2">
+            <a:extLst>
+              <a:ext uri="{FF2B5EF4-FFF2-40B4-BE49-F238E27FC236}">
+                <a16:creationId xmlns:a16="http://schemas.microsoft.com/office/drawing/2014/main" id="{3D37C9F7-EA1D-44DD-BA61-3F38C9C6D544}"/>
+              </a:ext>
+            </a:extLst>
+          </p:cNvPr>
+          <p:cNvSpPr>
+            <a:spLocks noGrp="1"/>
+          </p:cNvSpPr>
+          <p:nvPr>
+            <p:ph idx="1"/>
+          </p:nvPr>
+        </p:nvSpPr>
+        <p:spPr/>
+        <p:txBody>
+          <a:bodyPr/>
+          <a:lstStyle/>
+          <a:p>
+            <a:pPr marL="0" indent="0">
+              <a:buNone/>
+            </a:pPr>
+            <a:r>
+              <a:rPr lang="en-CA" b="1" dirty="0"/>
+              <a:t>Epigenetic epidemiology</a:t>
+            </a:r>
+            <a:r>
+              <a:rPr lang="en-CA" dirty="0"/>
+              <a:t> </a:t>
+            </a:r>
+            <a:br>
+              <a:rPr lang="en-CA" dirty="0"/>
+            </a:br>
+            <a:r>
+              <a:rPr lang="en-CA" dirty="0"/>
+              <a:t>May 9-11</a:t>
+            </a:r>
+          </a:p>
+          <a:p>
+            <a:pPr marL="0" indent="0">
+              <a:buNone/>
+            </a:pPr>
+            <a:r>
+              <a:rPr lang="en-CA" dirty="0"/>
+              <a:t>- Someone to lead two practical sessions: </a:t>
+            </a:r>
+            <a:br>
+              <a:rPr lang="en-CA" dirty="0"/>
+            </a:br>
+            <a:r>
+              <a:rPr lang="en-CA" dirty="0"/>
+              <a:t>“Running an EWAS” and “Analysing EWAS results”</a:t>
+            </a:r>
+          </a:p>
+          <a:p>
+            <a:pPr marL="0" indent="0">
+              <a:buNone/>
+            </a:pPr>
+            <a:endParaRPr lang="en-CA" dirty="0"/>
+          </a:p>
+          <a:p>
+            <a:pPr marL="0" indent="0">
+              <a:buNone/>
+            </a:pPr>
+            <a:r>
+              <a:rPr lang="en-CA" b="1" dirty="0"/>
+              <a:t>Advanced epigenetic epidemiology</a:t>
+            </a:r>
+            <a:r>
+              <a:rPr lang="en-CA" dirty="0"/>
+              <a:t> </a:t>
+            </a:r>
+            <a:br>
+              <a:rPr lang="en-CA" dirty="0"/>
+            </a:br>
+            <a:r>
+              <a:rPr lang="en-CA" dirty="0"/>
+              <a:t>May 12-13</a:t>
+            </a:r>
+          </a:p>
+          <a:p>
+            <a:pPr>
+              <a:buFontTx/>
+              <a:buChar char="-"/>
+            </a:pPr>
+            <a:r>
+              <a:rPr lang="en-CA" dirty="0"/>
+              <a:t>Someone to deliver (already prepared) lecture: “Mediation” by DNA methylation</a:t>
+            </a:r>
+          </a:p>
+          <a:p>
+            <a:pPr>
+              <a:buFontTx/>
+              <a:buChar char="-"/>
+            </a:pPr>
+            <a:endParaRPr lang="en-CA" dirty="0"/>
+          </a:p>
+          <a:p>
+            <a:pPr marL="0" indent="0">
+              <a:buNone/>
+            </a:pPr>
+            <a:r>
+              <a:rPr lang="en-CA" b="1" dirty="0"/>
+              <a:t>Introduction to R: the sequel </a:t>
+            </a:r>
+            <a:br>
+              <a:rPr lang="en-CA" b="1" dirty="0"/>
+            </a:br>
+            <a:r>
+              <a:rPr lang="en-CA" dirty="0"/>
+              <a:t>June 6</a:t>
+            </a:r>
+            <a:endParaRPr lang="en-US" b="1" dirty="0"/>
+          </a:p>
+        </p:txBody>
+      </p:sp>
+    </p:spTree>
+    <p:extLst>
+      <p:ext uri="{BB962C8B-B14F-4D97-AF65-F5344CB8AC3E}">
+        <p14:creationId xmlns:p14="http://schemas.microsoft.com/office/powerpoint/2010/main" val="3578472354"/>
       </p:ext>
     </p:extLst>
   </p:cSld>
@@ -10819,6 +11215,156 @@
 </file>
 
 <file path=ppt/slides/slide2.xml><?xml version="1.0" encoding="utf-8"?>
+<p:sld xmlns:a="http://schemas.openxmlformats.org/drawingml/2006/main" xmlns:r="http://schemas.openxmlformats.org/officeDocument/2006/relationships" xmlns:p="http://schemas.openxmlformats.org/presentationml/2006/main">
+  <p:cSld>
+    <p:spTree>
+      <p:nvGrpSpPr>
+        <p:cNvPr id="1" name=""/>
+        <p:cNvGrpSpPr/>
+        <p:nvPr/>
+      </p:nvGrpSpPr>
+      <p:grpSpPr>
+        <a:xfrm>
+          <a:off x="0" y="0"/>
+          <a:ext cx="0" cy="0"/>
+          <a:chOff x="0" y="0"/>
+          <a:chExt cx="0" cy="0"/>
+        </a:xfrm>
+      </p:grpSpPr>
+      <p:pic>
+        <p:nvPicPr>
+          <p:cNvPr id="5" name="Content Placeholder 4">
+            <a:extLst>
+              <a:ext uri="{FF2B5EF4-FFF2-40B4-BE49-F238E27FC236}">
+                <a16:creationId xmlns:a16="http://schemas.microsoft.com/office/drawing/2014/main" id="{C430F3AC-2948-4AF1-88BD-BE29D4F291A1}"/>
+              </a:ext>
+            </a:extLst>
+          </p:cNvPr>
+          <p:cNvPicPr>
+            <a:picLocks noGrp="1" noChangeAspect="1"/>
+          </p:cNvPicPr>
+          <p:nvPr>
+            <p:ph idx="1"/>
+          </p:nvPr>
+        </p:nvPicPr>
+        <p:blipFill>
+          <a:blip r:embed="rId2"/>
+          <a:stretch>
+            <a:fillRect/>
+          </a:stretch>
+        </p:blipFill>
+        <p:spPr>
+          <a:xfrm>
+            <a:off x="1127448" y="332655"/>
+            <a:ext cx="9289032" cy="5961435"/>
+          </a:xfrm>
+        </p:spPr>
+      </p:pic>
+      <p:pic>
+        <p:nvPicPr>
+          <p:cNvPr id="7" name="Picture 6">
+            <a:extLst>
+              <a:ext uri="{FF2B5EF4-FFF2-40B4-BE49-F238E27FC236}">
+                <a16:creationId xmlns:a16="http://schemas.microsoft.com/office/drawing/2014/main" id="{4F486988-492D-495D-9290-BE31282751F1}"/>
+              </a:ext>
+            </a:extLst>
+          </p:cNvPr>
+          <p:cNvPicPr>
+            <a:picLocks noChangeAspect="1"/>
+          </p:cNvPicPr>
+          <p:nvPr/>
+        </p:nvPicPr>
+        <p:blipFill>
+          <a:blip r:embed="rId3"/>
+          <a:stretch>
+            <a:fillRect/>
+          </a:stretch>
+        </p:blipFill>
+        <p:spPr>
+          <a:xfrm>
+            <a:off x="1107352" y="165878"/>
+            <a:ext cx="8342508" cy="398032"/>
+          </a:xfrm>
+          <a:prstGeom prst="rect">
+            <a:avLst/>
+          </a:prstGeom>
+        </p:spPr>
+      </p:pic>
+    </p:spTree>
+    <p:extLst>
+      <p:ext uri="{BB962C8B-B14F-4D97-AF65-F5344CB8AC3E}">
+        <p14:creationId xmlns:p14="http://schemas.microsoft.com/office/powerpoint/2010/main" val="2928803660"/>
+      </p:ext>
+    </p:extLst>
+  </p:cSld>
+  <p:clrMapOvr>
+    <a:masterClrMapping/>
+  </p:clrMapOvr>
+  <p:transition spd="med"/>
+</p:sld>
+</file>
+
+<file path=ppt/slides/slide3.xml><?xml version="1.0" encoding="utf-8"?>
+<p:sld xmlns:a="http://schemas.openxmlformats.org/drawingml/2006/main" xmlns:r="http://schemas.openxmlformats.org/officeDocument/2006/relationships" xmlns:p="http://schemas.openxmlformats.org/presentationml/2006/main">
+  <p:cSld>
+    <p:spTree>
+      <p:nvGrpSpPr>
+        <p:cNvPr id="1" name=""/>
+        <p:cNvGrpSpPr/>
+        <p:nvPr/>
+      </p:nvGrpSpPr>
+      <p:grpSpPr>
+        <a:xfrm>
+          <a:off x="0" y="0"/>
+          <a:ext cx="0" cy="0"/>
+          <a:chOff x="0" y="0"/>
+          <a:chExt cx="0" cy="0"/>
+        </a:xfrm>
+      </p:grpSpPr>
+      <p:pic>
+        <p:nvPicPr>
+          <p:cNvPr id="5" name="Content Placeholder 4">
+            <a:extLst>
+              <a:ext uri="{FF2B5EF4-FFF2-40B4-BE49-F238E27FC236}">
+                <a16:creationId xmlns:a16="http://schemas.microsoft.com/office/drawing/2014/main" id="{EBA4D128-5E9E-4D3E-B189-B7777C6767B0}"/>
+              </a:ext>
+            </a:extLst>
+          </p:cNvPr>
+          <p:cNvPicPr>
+            <a:picLocks noGrp="1" noChangeAspect="1"/>
+          </p:cNvPicPr>
+          <p:nvPr>
+            <p:ph idx="1"/>
+          </p:nvPr>
+        </p:nvPicPr>
+        <p:blipFill>
+          <a:blip r:embed="rId2"/>
+          <a:stretch>
+            <a:fillRect/>
+          </a:stretch>
+        </p:blipFill>
+        <p:spPr>
+          <a:xfrm>
+            <a:off x="1963440" y="397750"/>
+            <a:ext cx="8265119" cy="6062499"/>
+          </a:xfrm>
+        </p:spPr>
+      </p:pic>
+    </p:spTree>
+    <p:extLst>
+      <p:ext uri="{BB962C8B-B14F-4D97-AF65-F5344CB8AC3E}">
+        <p14:creationId xmlns:p14="http://schemas.microsoft.com/office/powerpoint/2010/main" val="331146543"/>
+      </p:ext>
+    </p:extLst>
+  </p:cSld>
+  <p:clrMapOvr>
+    <a:masterClrMapping/>
+  </p:clrMapOvr>
+  <p:transition spd="med"/>
+</p:sld>
+</file>
+
+<file path=ppt/slides/slide4.xml><?xml version="1.0" encoding="utf-8"?>
 <p:sld xmlns:a="http://schemas.openxmlformats.org/drawingml/2006/main" xmlns:r="http://schemas.openxmlformats.org/officeDocument/2006/relationships" xmlns:p="http://schemas.openxmlformats.org/presentationml/2006/main">
   <p:cSld>
     <p:spTree>
@@ -13149,7 +13695,7 @@
 </p:sld>
 </file>
 
-<file path=ppt/slides/slide3.xml><?xml version="1.0" encoding="utf-8"?>
+<file path=ppt/slides/slide5.xml><?xml version="1.0" encoding="utf-8"?>
 <p:sld xmlns:a="http://schemas.openxmlformats.org/drawingml/2006/main" xmlns:r="http://schemas.openxmlformats.org/officeDocument/2006/relationships" xmlns:p="http://schemas.openxmlformats.org/presentationml/2006/main">
   <p:cSld>
     <p:spTree>
@@ -13189,7 +13735,7 @@
           <a:p>
             <a:r>
               <a:rPr lang="en-CA" dirty="0"/>
-              <a:t>Genome-wide histone modification association studies </a:t>
+              <a:t>Epigenomics beyond DNA methylation</a:t>
             </a:r>
             <a:endParaRPr lang="en-US" dirty="0"/>
           </a:p>
@@ -13351,6 +13897,52 @@
           </a:p>
         </p:txBody>
       </p:sp>
+      <p:sp>
+        <p:nvSpPr>
+          <p:cNvPr id="4" name="TextBox 3">
+            <a:extLst>
+              <a:ext uri="{FF2B5EF4-FFF2-40B4-BE49-F238E27FC236}">
+                <a16:creationId xmlns:a16="http://schemas.microsoft.com/office/drawing/2014/main" id="{C814918C-2445-4DCF-B854-7A4C8F7D7754}"/>
+              </a:ext>
+            </a:extLst>
+          </p:cNvPr>
+          <p:cNvSpPr txBox="1"/>
+          <p:nvPr/>
+        </p:nvSpPr>
+        <p:spPr>
+          <a:xfrm>
+            <a:off x="609600" y="157967"/>
+            <a:ext cx="3733523" cy="461665"/>
+          </a:xfrm>
+          <a:prstGeom prst="rect">
+            <a:avLst/>
+          </a:prstGeom>
+          <a:noFill/>
+        </p:spPr>
+        <p:txBody>
+          <a:bodyPr wrap="none" rtlCol="0">
+            <a:spAutoFit/>
+          </a:bodyPr>
+          <a:lstStyle/>
+          <a:p>
+            <a:r>
+              <a:rPr lang="en-CA" dirty="0">
+                <a:solidFill>
+                  <a:srgbClr val="0070C0"/>
+                </a:solidFill>
+                <a:latin typeface="+mn-lt"/>
+              </a:rPr>
+              <a:t>Histone modification WAS</a:t>
+            </a:r>
+            <a:endParaRPr lang="en-US" dirty="0">
+              <a:solidFill>
+                <a:srgbClr val="0070C0"/>
+              </a:solidFill>
+              <a:latin typeface="+mn-lt"/>
+            </a:endParaRPr>
+          </a:p>
+        </p:txBody>
+      </p:sp>
     </p:spTree>
     <p:extLst>
       <p:ext uri="{BB962C8B-B14F-4D97-AF65-F5344CB8AC3E}">
@@ -13365,7 +13957,544 @@
 </p:sld>
 </file>
 
-<file path=ppt/slides/slide4.xml><?xml version="1.0" encoding="utf-8"?>
+<file path=ppt/slides/slide6.xml><?xml version="1.0" encoding="utf-8"?>
+<p:sld xmlns:a="http://schemas.openxmlformats.org/drawingml/2006/main" xmlns:r="http://schemas.openxmlformats.org/officeDocument/2006/relationships" xmlns:p="http://schemas.openxmlformats.org/presentationml/2006/main">
+  <p:cSld>
+    <p:spTree>
+      <p:nvGrpSpPr>
+        <p:cNvPr id="1" name=""/>
+        <p:cNvGrpSpPr/>
+        <p:nvPr/>
+      </p:nvGrpSpPr>
+      <p:grpSpPr>
+        <a:xfrm>
+          <a:off x="0" y="0"/>
+          <a:ext cx="0" cy="0"/>
+          <a:chOff x="0" y="0"/>
+          <a:chExt cx="0" cy="0"/>
+        </a:xfrm>
+      </p:grpSpPr>
+      <p:sp>
+        <p:nvSpPr>
+          <p:cNvPr id="2" name="Title 1">
+            <a:extLst>
+              <a:ext uri="{FF2B5EF4-FFF2-40B4-BE49-F238E27FC236}">
+                <a16:creationId xmlns:a16="http://schemas.microsoft.com/office/drawing/2014/main" id="{07BF39BF-6D88-4008-B6BF-A8769CCB5C57}"/>
+              </a:ext>
+            </a:extLst>
+          </p:cNvPr>
+          <p:cNvSpPr>
+            <a:spLocks noGrp="1"/>
+          </p:cNvSpPr>
+          <p:nvPr>
+            <p:ph type="title"/>
+          </p:nvPr>
+        </p:nvSpPr>
+        <p:spPr/>
+        <p:txBody>
+          <a:bodyPr/>
+          <a:lstStyle/>
+          <a:p>
+            <a:r>
+              <a:rPr lang="en-CA" dirty="0"/>
+              <a:t>Do cord blood EWAS agree?</a:t>
+            </a:r>
+            <a:endParaRPr lang="en-US" dirty="0"/>
+          </a:p>
+        </p:txBody>
+      </p:sp>
+      <p:sp>
+        <p:nvSpPr>
+          <p:cNvPr id="3" name="Content Placeholder 2">
+            <a:extLst>
+              <a:ext uri="{FF2B5EF4-FFF2-40B4-BE49-F238E27FC236}">
+                <a16:creationId xmlns:a16="http://schemas.microsoft.com/office/drawing/2014/main" id="{AAD91FAD-4841-42D5-B7A0-22C945E0F863}"/>
+              </a:ext>
+            </a:extLst>
+          </p:cNvPr>
+          <p:cNvSpPr>
+            <a:spLocks noGrp="1"/>
+          </p:cNvSpPr>
+          <p:nvPr>
+            <p:ph idx="1"/>
+          </p:nvPr>
+        </p:nvSpPr>
+        <p:spPr/>
+        <p:txBody>
+          <a:bodyPr/>
+          <a:lstStyle/>
+          <a:p>
+            <a:pPr marL="0" indent="0">
+              <a:buNone/>
+            </a:pPr>
+            <a:r>
+              <a:rPr lang="en-US" dirty="0" err="1"/>
+              <a:t>Akhabir</a:t>
+            </a:r>
+            <a:r>
+              <a:rPr lang="en-US" dirty="0"/>
+              <a:t>, … &amp; </a:t>
+            </a:r>
+            <a:r>
+              <a:rPr lang="en-US" dirty="0" err="1"/>
+              <a:t>NutriGen</a:t>
+            </a:r>
+            <a:r>
+              <a:rPr lang="en-US" dirty="0"/>
+              <a:t> Alliance (2022). </a:t>
+            </a:r>
+            <a:r>
+              <a:rPr lang="en-US" b="1" dirty="0"/>
+              <a:t>DNA methylation changes in cord blood and the developmental origins of health and disease - a systematic review and replication study</a:t>
+            </a:r>
+            <a:r>
+              <a:rPr lang="en-US" dirty="0"/>
+              <a:t>. BMC genomics, 23(1), 221. </a:t>
+            </a:r>
+          </a:p>
+          <a:p>
+            <a:pPr marL="0" indent="0">
+              <a:buNone/>
+            </a:pPr>
+            <a:endParaRPr lang="en-US" dirty="0"/>
+          </a:p>
+          <a:p>
+            <a:pPr marL="0" indent="0">
+              <a:buNone/>
+            </a:pPr>
+            <a:r>
+              <a:rPr lang="en-US" dirty="0"/>
+              <a:t>“We reviewed the literature to identify differentially methylated sites of newborn DNA which are associated with the following five traits of interest: </a:t>
+            </a:r>
+            <a:r>
+              <a:rPr lang="en-US" b="1" dirty="0"/>
+              <a:t>maternal diabetes</a:t>
+            </a:r>
+            <a:r>
+              <a:rPr lang="en-US" dirty="0"/>
+              <a:t>, </a:t>
+            </a:r>
+            <a:r>
+              <a:rPr lang="en-US" b="1" dirty="0"/>
+              <a:t>pre-pregnancy body mass index (BMI)</a:t>
+            </a:r>
+            <a:r>
+              <a:rPr lang="en-US" dirty="0"/>
+              <a:t>, </a:t>
+            </a:r>
+            <a:r>
+              <a:rPr lang="en-US" b="1" dirty="0"/>
+              <a:t>diet during pregnancy</a:t>
+            </a:r>
+            <a:r>
+              <a:rPr lang="en-US" dirty="0"/>
+              <a:t>, </a:t>
+            </a:r>
+            <a:r>
+              <a:rPr lang="en-US" b="1" dirty="0"/>
+              <a:t>smoking</a:t>
+            </a:r>
+            <a:r>
+              <a:rPr lang="en-US" dirty="0"/>
+              <a:t>, and </a:t>
+            </a:r>
+            <a:r>
+              <a:rPr lang="en-US" b="1" dirty="0"/>
+              <a:t>gestational age</a:t>
+            </a:r>
+            <a:r>
+              <a:rPr lang="en-US" dirty="0"/>
+              <a:t>.”</a:t>
+            </a:r>
+          </a:p>
+          <a:p>
+            <a:pPr marL="0" indent="0">
+              <a:buNone/>
+            </a:pPr>
+            <a:endParaRPr lang="en-US" dirty="0"/>
+          </a:p>
+          <a:p>
+            <a:pPr marL="0" indent="0">
+              <a:buNone/>
+            </a:pPr>
+            <a:r>
+              <a:rPr lang="en-US" dirty="0"/>
+              <a:t>17 cord blood epigenome-wide association studies (EWAS) </a:t>
+            </a:r>
+          </a:p>
+          <a:p>
+            <a:pPr marL="0" indent="0">
+              <a:buNone/>
+            </a:pPr>
+            <a:r>
+              <a:rPr lang="en-US" dirty="0"/>
+              <a:t>290 associations</a:t>
+            </a:r>
+          </a:p>
+          <a:p>
+            <a:pPr marL="0" indent="0">
+              <a:buNone/>
+            </a:pPr>
+            <a:r>
+              <a:rPr lang="en-US" i="1" dirty="0"/>
+              <a:t>Only </a:t>
+            </a:r>
+            <a:r>
+              <a:rPr lang="en-US" dirty="0"/>
+              <a:t>19 identified in more than one study (all prenatal smoking)</a:t>
+            </a:r>
+          </a:p>
+          <a:p>
+            <a:pPr marL="0" indent="0">
+              <a:buNone/>
+            </a:pPr>
+            <a:endParaRPr lang="en-US" dirty="0"/>
+          </a:p>
+        </p:txBody>
+      </p:sp>
+      <p:sp>
+        <p:nvSpPr>
+          <p:cNvPr id="4" name="TextBox 3">
+            <a:extLst>
+              <a:ext uri="{FF2B5EF4-FFF2-40B4-BE49-F238E27FC236}">
+                <a16:creationId xmlns:a16="http://schemas.microsoft.com/office/drawing/2014/main" id="{1BAE23C8-468C-4AE3-B9E2-ED2F4325C106}"/>
+              </a:ext>
+            </a:extLst>
+          </p:cNvPr>
+          <p:cNvSpPr txBox="1"/>
+          <p:nvPr/>
+        </p:nvSpPr>
+        <p:spPr>
+          <a:xfrm>
+            <a:off x="609600" y="227958"/>
+            <a:ext cx="1710726" cy="461665"/>
+          </a:xfrm>
+          <a:prstGeom prst="rect">
+            <a:avLst/>
+          </a:prstGeom>
+          <a:noFill/>
+        </p:spPr>
+        <p:txBody>
+          <a:bodyPr wrap="none" rtlCol="0">
+            <a:spAutoFit/>
+          </a:bodyPr>
+          <a:lstStyle/>
+          <a:p>
+            <a:r>
+              <a:rPr lang="en-CA" dirty="0">
+                <a:solidFill>
+                  <a:srgbClr val="0070C0"/>
+                </a:solidFill>
+                <a:latin typeface="+mn-lt"/>
+              </a:rPr>
+              <a:t>Replication</a:t>
+            </a:r>
+            <a:endParaRPr lang="en-US" dirty="0">
+              <a:solidFill>
+                <a:srgbClr val="0070C0"/>
+              </a:solidFill>
+              <a:latin typeface="+mn-lt"/>
+            </a:endParaRPr>
+          </a:p>
+        </p:txBody>
+      </p:sp>
+    </p:spTree>
+    <p:extLst>
+      <p:ext uri="{BB962C8B-B14F-4D97-AF65-F5344CB8AC3E}">
+        <p14:creationId xmlns:p14="http://schemas.microsoft.com/office/powerpoint/2010/main" val="1729581889"/>
+      </p:ext>
+    </p:extLst>
+  </p:cSld>
+  <p:clrMapOvr>
+    <a:masterClrMapping/>
+  </p:clrMapOvr>
+  <p:transition spd="med"/>
+</p:sld>
+</file>
+
+<file path=ppt/slides/slide7.xml><?xml version="1.0" encoding="utf-8"?>
+<p:sld xmlns:a="http://schemas.openxmlformats.org/drawingml/2006/main" xmlns:r="http://schemas.openxmlformats.org/officeDocument/2006/relationships" xmlns:p="http://schemas.openxmlformats.org/presentationml/2006/main">
+  <p:cSld>
+    <p:spTree>
+      <p:nvGrpSpPr>
+        <p:cNvPr id="1" name=""/>
+        <p:cNvGrpSpPr/>
+        <p:nvPr/>
+      </p:nvGrpSpPr>
+      <p:grpSpPr>
+        <a:xfrm>
+          <a:off x="0" y="0"/>
+          <a:ext cx="0" cy="0"/>
+          <a:chOff x="0" y="0"/>
+          <a:chExt cx="0" cy="0"/>
+        </a:xfrm>
+      </p:grpSpPr>
+      <p:sp>
+        <p:nvSpPr>
+          <p:cNvPr id="2" name="Title 1">
+            <a:extLst>
+              <a:ext uri="{FF2B5EF4-FFF2-40B4-BE49-F238E27FC236}">
+                <a16:creationId xmlns:a16="http://schemas.microsoft.com/office/drawing/2014/main" id="{EB3972B9-0D30-4538-A57C-45F6690C78EC}"/>
+              </a:ext>
+            </a:extLst>
+          </p:cNvPr>
+          <p:cNvSpPr>
+            <a:spLocks noGrp="1"/>
+          </p:cNvSpPr>
+          <p:nvPr>
+            <p:ph type="title"/>
+          </p:nvPr>
+        </p:nvSpPr>
+        <p:spPr/>
+        <p:txBody>
+          <a:bodyPr/>
+          <a:lstStyle/>
+          <a:p>
+            <a:r>
+              <a:rPr lang="en-CA" dirty="0"/>
+              <a:t>Common environment makes twins more similar</a:t>
+            </a:r>
+            <a:endParaRPr lang="en-US" dirty="0"/>
+          </a:p>
+        </p:txBody>
+      </p:sp>
+      <p:sp>
+        <p:nvSpPr>
+          <p:cNvPr id="3" name="Content Placeholder 2">
+            <a:extLst>
+              <a:ext uri="{FF2B5EF4-FFF2-40B4-BE49-F238E27FC236}">
+                <a16:creationId xmlns:a16="http://schemas.microsoft.com/office/drawing/2014/main" id="{5BAF0F0F-432A-4999-AE82-3FAE37DA846A}"/>
+              </a:ext>
+            </a:extLst>
+          </p:cNvPr>
+          <p:cNvSpPr>
+            <a:spLocks noGrp="1"/>
+          </p:cNvSpPr>
+          <p:nvPr>
+            <p:ph idx="1"/>
+          </p:nvPr>
+        </p:nvSpPr>
+        <p:spPr>
+          <a:xfrm>
+            <a:off x="609600" y="1700808"/>
+            <a:ext cx="10871200" cy="4572000"/>
+          </a:xfrm>
+        </p:spPr>
+        <p:txBody>
+          <a:bodyPr/>
+          <a:lstStyle/>
+          <a:p>
+            <a:pPr marL="0" indent="0">
+              <a:buNone/>
+            </a:pPr>
+            <a:r>
+              <a:rPr lang="en-US" dirty="0"/>
+              <a:t>Li, et al. (2022). </a:t>
+            </a:r>
+            <a:r>
+              <a:rPr lang="en-US" b="1" dirty="0"/>
+              <a:t>Early life affects late-life health through determining DNA methylation across the lifespan: A twin study.</a:t>
+            </a:r>
+            <a:r>
+              <a:rPr lang="en-US" dirty="0"/>
+              <a:t> </a:t>
+            </a:r>
+            <a:r>
+              <a:rPr lang="en-US" dirty="0" err="1"/>
+              <a:t>EBioMedicine</a:t>
+            </a:r>
+            <a:r>
+              <a:rPr lang="en-US" dirty="0"/>
+              <a:t>, 77, 103927. </a:t>
+            </a:r>
+          </a:p>
+          <a:p>
+            <a:pPr marL="0" indent="0">
+              <a:buNone/>
+            </a:pPr>
+            <a:endParaRPr lang="en-US" dirty="0"/>
+          </a:p>
+          <a:p>
+            <a:pPr marL="0" indent="0">
+              <a:buNone/>
+            </a:pPr>
+            <a:r>
+              <a:rPr lang="en-US" dirty="0"/>
+              <a:t>1,720 monozygotic twin (MZ) pairs</a:t>
+            </a:r>
+          </a:p>
+          <a:p>
+            <a:pPr marL="0" indent="0">
+              <a:buNone/>
+            </a:pPr>
+            <a:r>
+              <a:rPr lang="en-US" dirty="0"/>
+              <a:t>1,107 dizygotic twin (DZ) pairs </a:t>
+            </a:r>
+          </a:p>
+          <a:p>
+            <a:pPr marL="0" indent="0">
+              <a:buNone/>
+            </a:pPr>
+            <a:r>
+              <a:rPr lang="en-US" dirty="0"/>
+              <a:t>Aged 0-92 years</a:t>
+            </a:r>
+          </a:p>
+          <a:p>
+            <a:pPr marL="0" indent="0">
+              <a:buNone/>
+            </a:pPr>
+            <a:r>
+              <a:rPr lang="en-US" dirty="0"/>
+              <a:t>Cohabitation history </a:t>
+            </a:r>
+          </a:p>
+          <a:p>
+            <a:pPr marL="0" indent="0">
+              <a:buNone/>
+            </a:pPr>
+            <a:r>
+              <a:rPr lang="en-US" dirty="0"/>
+              <a:t>450K DNA methylation</a:t>
+            </a:r>
+          </a:p>
+          <a:p>
+            <a:pPr marL="0" indent="0">
+              <a:buNone/>
+            </a:pPr>
+            <a:endParaRPr lang="en-US" dirty="0"/>
+          </a:p>
+          <a:p>
+            <a:pPr marL="0" indent="0">
+              <a:buNone/>
+            </a:pPr>
+            <a:r>
+              <a:rPr lang="en-US" u="sng" dirty="0"/>
+              <a:t>Genome-wide average</a:t>
+            </a:r>
+            <a:r>
+              <a:rPr lang="en-US" dirty="0"/>
+              <a:t> between-twin </a:t>
+            </a:r>
+            <a:r>
+              <a:rPr lang="en-US" dirty="0" err="1"/>
+              <a:t>DNAm</a:t>
+            </a:r>
+            <a:r>
+              <a:rPr lang="en-US" dirty="0"/>
+              <a:t> correlation </a:t>
+            </a:r>
+            <a:br>
+              <a:rPr lang="en-US" dirty="0"/>
+            </a:br>
+            <a:r>
+              <a:rPr lang="en-US" dirty="0"/>
+              <a:t>      ( = covariance between twins/population variance)</a:t>
+            </a:r>
+          </a:p>
+          <a:p>
+            <a:pPr marL="0" indent="0">
+              <a:buNone/>
+            </a:pPr>
+            <a:r>
+              <a:rPr lang="en-US" dirty="0"/>
+              <a:t>- R=0 at birth</a:t>
+            </a:r>
+          </a:p>
+          <a:p>
+            <a:pPr marL="0" indent="0">
+              <a:buNone/>
+            </a:pPr>
+            <a:r>
+              <a:rPr lang="en-US" dirty="0"/>
+              <a:t>- Childhood: Increased by 0.16 per decade for MZ twins and 0.13 per decade for DZ twins </a:t>
+            </a:r>
+          </a:p>
+          <a:p>
+            <a:pPr marL="0" indent="0">
+              <a:buNone/>
+            </a:pPr>
+            <a:r>
+              <a:rPr lang="en-US" dirty="0"/>
+              <a:t>- Adulthood: Decreased by 0.026 per decade living apart for MZ twins and 0.027 for DZ twins  </a:t>
+            </a:r>
+          </a:p>
+          <a:p>
+            <a:pPr marL="0" indent="0">
+              <a:buNone/>
+            </a:pPr>
+            <a:endParaRPr lang="en-US" dirty="0"/>
+          </a:p>
+          <a:p>
+            <a:pPr marL="0" indent="0">
+              <a:buNone/>
+            </a:pPr>
+            <a:endParaRPr lang="en-US" dirty="0"/>
+          </a:p>
+        </p:txBody>
+      </p:sp>
+      <p:sp>
+        <p:nvSpPr>
+          <p:cNvPr id="4" name="TextBox 3">
+            <a:extLst>
+              <a:ext uri="{FF2B5EF4-FFF2-40B4-BE49-F238E27FC236}">
+                <a16:creationId xmlns:a16="http://schemas.microsoft.com/office/drawing/2014/main" id="{851B1CC7-34AD-4BCD-9917-519B164A9DB5}"/>
+              </a:ext>
+            </a:extLst>
+          </p:cNvPr>
+          <p:cNvSpPr txBox="1"/>
+          <p:nvPr/>
+        </p:nvSpPr>
+        <p:spPr>
+          <a:xfrm>
+            <a:off x="609600" y="157967"/>
+            <a:ext cx="1914307" cy="461665"/>
+          </a:xfrm>
+          <a:prstGeom prst="rect">
+            <a:avLst/>
+          </a:prstGeom>
+          <a:noFill/>
+        </p:spPr>
+        <p:txBody>
+          <a:bodyPr wrap="none" rtlCol="0">
+            <a:spAutoFit/>
+          </a:bodyPr>
+          <a:lstStyle/>
+          <a:p>
+            <a:r>
+              <a:rPr lang="en-CA" dirty="0">
+                <a:solidFill>
+                  <a:srgbClr val="0070C0"/>
+                </a:solidFill>
+                <a:latin typeface="+mn-lt"/>
+              </a:rPr>
+              <a:t>Environment</a:t>
+            </a:r>
+            <a:endParaRPr lang="en-US" dirty="0">
+              <a:solidFill>
+                <a:srgbClr val="0070C0"/>
+              </a:solidFill>
+              <a:latin typeface="+mn-lt"/>
+            </a:endParaRPr>
+          </a:p>
+        </p:txBody>
+      </p:sp>
+    </p:spTree>
+    <p:extLst>
+      <p:ext uri="{BB962C8B-B14F-4D97-AF65-F5344CB8AC3E}">
+        <p14:creationId xmlns:p14="http://schemas.microsoft.com/office/powerpoint/2010/main" val="150397246"/>
+      </p:ext>
+    </p:extLst>
+  </p:cSld>
+  <p:clrMapOvr>
+    <a:masterClrMapping/>
+  </p:clrMapOvr>
+  <p:transition spd="med"/>
+</p:sld>
+</file>
+
+<file path=ppt/slides/slide8.xml><?xml version="1.0" encoding="utf-8"?>
 <p:sld xmlns:a="http://schemas.openxmlformats.org/drawingml/2006/main" xmlns:r="http://schemas.openxmlformats.org/officeDocument/2006/relationships" xmlns:p="http://schemas.openxmlformats.org/presentationml/2006/main">
   <p:cSld>
     <p:spTree>
@@ -13405,7 +14534,7 @@
           <a:p>
             <a:r>
               <a:rPr lang="en-CA" dirty="0"/>
-              <a:t>Roll your own neural network from genomic data</a:t>
+              <a:t>Roll your own neural network</a:t>
             </a:r>
             <a:endParaRPr lang="en-US" dirty="0"/>
           </a:p>
@@ -13537,559 +14666,57 @@
           </a:p>
         </p:txBody>
       </p:sp>
-    </p:spTree>
-    <p:extLst>
-      <p:ext uri="{BB962C8B-B14F-4D97-AF65-F5344CB8AC3E}">
-        <p14:creationId xmlns:p14="http://schemas.microsoft.com/office/powerpoint/2010/main" val="2586055292"/>
-      </p:ext>
-    </p:extLst>
-  </p:cSld>
-  <p:clrMapOvr>
-    <a:masterClrMapping/>
-  </p:clrMapOvr>
-  <p:transition spd="med"/>
-</p:sld>
-</file>
-
-<file path=ppt/slides/slide5.xml><?xml version="1.0" encoding="utf-8"?>
-<p:sld xmlns:a="http://schemas.openxmlformats.org/drawingml/2006/main" xmlns:r="http://schemas.openxmlformats.org/officeDocument/2006/relationships" xmlns:p="http://schemas.openxmlformats.org/presentationml/2006/main">
-  <p:cSld>
-    <p:spTree>
-      <p:nvGrpSpPr>
-        <p:cNvPr id="1" name=""/>
-        <p:cNvGrpSpPr/>
-        <p:nvPr/>
-      </p:nvGrpSpPr>
-      <p:grpSpPr>
-        <a:xfrm>
-          <a:off x="0" y="0"/>
-          <a:ext cx="0" cy="0"/>
-          <a:chOff x="0" y="0"/>
-          <a:chExt cx="0" cy="0"/>
-        </a:xfrm>
-      </p:grpSpPr>
-      <p:pic>
-        <p:nvPicPr>
-          <p:cNvPr id="5" name="Content Placeholder 4">
+      <p:sp>
+        <p:nvSpPr>
+          <p:cNvPr id="7" name="TextBox 6">
             <a:extLst>
               <a:ext uri="{FF2B5EF4-FFF2-40B4-BE49-F238E27FC236}">
-                <a16:creationId xmlns:a16="http://schemas.microsoft.com/office/drawing/2014/main" id="{EBA4D128-5E9E-4D3E-B189-B7777C6767B0}"/>
+                <a16:creationId xmlns:a16="http://schemas.microsoft.com/office/drawing/2014/main" id="{06CC3E7C-CB0C-495F-97EF-D27C2459C93E}"/>
               </a:ext>
             </a:extLst>
           </p:cNvPr>
-          <p:cNvPicPr>
-            <a:picLocks noGrp="1" noChangeAspect="1"/>
-          </p:cNvPicPr>
-          <p:nvPr>
-            <p:ph idx="1"/>
-          </p:nvPr>
-        </p:nvPicPr>
-        <p:blipFill>
-          <a:blip r:embed="rId2"/>
-          <a:stretch>
-            <a:fillRect/>
-          </a:stretch>
-        </p:blipFill>
+          <p:cNvSpPr txBox="1"/>
+          <p:nvPr/>
+        </p:nvSpPr>
         <p:spPr>
           <a:xfrm>
-            <a:off x="1963440" y="397750"/>
-            <a:ext cx="8265119" cy="6062499"/>
+            <a:off x="609600" y="227958"/>
+            <a:ext cx="2425650" cy="461665"/>
           </a:xfrm>
+          <a:prstGeom prst="rect">
+            <a:avLst/>
+          </a:prstGeom>
+          <a:noFill/>
         </p:spPr>
-      </p:pic>
-    </p:spTree>
-    <p:extLst>
-      <p:ext uri="{BB962C8B-B14F-4D97-AF65-F5344CB8AC3E}">
-        <p14:creationId xmlns:p14="http://schemas.microsoft.com/office/powerpoint/2010/main" val="331146543"/>
-      </p:ext>
-    </p:extLst>
-  </p:cSld>
-  <p:clrMapOvr>
-    <a:masterClrMapping/>
-  </p:clrMapOvr>
-  <p:transition spd="med"/>
-</p:sld>
-</file>
-
-<file path=ppt/slides/slide6.xml><?xml version="1.0" encoding="utf-8"?>
-<p:sld xmlns:a="http://schemas.openxmlformats.org/drawingml/2006/main" xmlns:r="http://schemas.openxmlformats.org/officeDocument/2006/relationships" xmlns:p="http://schemas.openxmlformats.org/presentationml/2006/main">
-  <p:cSld>
-    <p:spTree>
-      <p:nvGrpSpPr>
-        <p:cNvPr id="1" name=""/>
-        <p:cNvGrpSpPr/>
-        <p:nvPr/>
-      </p:nvGrpSpPr>
-      <p:grpSpPr>
-        <a:xfrm>
-          <a:off x="0" y="0"/>
-          <a:ext cx="0" cy="0"/>
-          <a:chOff x="0" y="0"/>
-          <a:chExt cx="0" cy="0"/>
-        </a:xfrm>
-      </p:grpSpPr>
-      <p:sp>
-        <p:nvSpPr>
-          <p:cNvPr id="2" name="Title 1">
-            <a:extLst>
-              <a:ext uri="{FF2B5EF4-FFF2-40B4-BE49-F238E27FC236}">
-                <a16:creationId xmlns:a16="http://schemas.microsoft.com/office/drawing/2014/main" id="{C89EF028-B421-4529-A16C-9B9511D79410}"/>
-              </a:ext>
-            </a:extLst>
-          </p:cNvPr>
-          <p:cNvSpPr>
-            <a:spLocks noGrp="1"/>
-          </p:cNvSpPr>
-          <p:nvPr>
-            <p:ph type="title"/>
-          </p:nvPr>
-        </p:nvSpPr>
-        <p:spPr/>
         <p:txBody>
-          <a:bodyPr/>
+          <a:bodyPr wrap="square">
+            <a:spAutoFit/>
+          </a:bodyPr>
           <a:lstStyle/>
           <a:p>
-            <a:r>
-              <a:rPr lang="en-CA" dirty="0"/>
-              <a:t>Ethical implications</a:t>
-            </a:r>
-            <a:endParaRPr lang="en-US" dirty="0"/>
-          </a:p>
-        </p:txBody>
-      </p:sp>
-      <p:sp>
-        <p:nvSpPr>
-          <p:cNvPr id="3" name="Content Placeholder 2">
-            <a:extLst>
-              <a:ext uri="{FF2B5EF4-FFF2-40B4-BE49-F238E27FC236}">
-                <a16:creationId xmlns:a16="http://schemas.microsoft.com/office/drawing/2014/main" id="{D7A67566-490A-4D03-8DD5-065B5493D593}"/>
-              </a:ext>
-            </a:extLst>
-          </p:cNvPr>
-          <p:cNvSpPr>
-            <a:spLocks noGrp="1"/>
-          </p:cNvSpPr>
-          <p:nvPr>
-            <p:ph idx="1"/>
-          </p:nvPr>
-        </p:nvSpPr>
-        <p:spPr/>
-        <p:txBody>
-          <a:bodyPr/>
-          <a:lstStyle/>
-          <a:p>
-            <a:pPr marL="0" indent="0">
-              <a:buNone/>
-            </a:pPr>
-            <a:r>
-              <a:rPr lang="en-US" dirty="0" err="1"/>
-              <a:t>Santaló</a:t>
-            </a:r>
-            <a:r>
-              <a:rPr lang="en-US" dirty="0"/>
-              <a:t>, J., &amp; </a:t>
-            </a:r>
-            <a:r>
-              <a:rPr lang="en-US" dirty="0" err="1"/>
-              <a:t>Berdasco</a:t>
-            </a:r>
-            <a:r>
-              <a:rPr lang="en-US" dirty="0"/>
-              <a:t>, M. (2022). </a:t>
-            </a:r>
-            <a:r>
-              <a:rPr lang="en-US" b="1" dirty="0"/>
-              <a:t>Ethical implications of epigenetics in the era of personalized medicine</a:t>
-            </a:r>
-            <a:r>
-              <a:rPr lang="en-US" dirty="0"/>
-              <a:t>. Clinical epigenetics, 14(1), 44.</a:t>
-            </a:r>
-          </a:p>
-          <a:p>
-            <a:pPr marL="0" indent="0">
-              <a:buNone/>
-            </a:pPr>
-            <a:endParaRPr lang="en-US" dirty="0"/>
-          </a:p>
-          <a:p>
-            <a:pPr marL="0" indent="0">
-              <a:buNone/>
-            </a:pPr>
-            <a:r>
-              <a:rPr lang="en-US" dirty="0"/>
-              <a:t>“In this review, we will identify and discuss current ethical, legal and social issues of epigenetics research in the context of personalized medicine.”</a:t>
-            </a:r>
-          </a:p>
-          <a:p>
-            <a:pPr marL="0" indent="0">
-              <a:buNone/>
-            </a:pPr>
-            <a:endParaRPr lang="en-US" dirty="0"/>
-          </a:p>
-          <a:p>
-            <a:pPr marL="0" indent="0">
-              <a:buNone/>
-            </a:pPr>
-            <a:r>
-              <a:rPr lang="en-US" dirty="0"/>
-              <a:t>For example:</a:t>
-            </a:r>
-          </a:p>
-          <a:p>
-            <a:r>
-              <a:rPr lang="en-US" dirty="0"/>
-              <a:t>patient autonomy </a:t>
-            </a:r>
-          </a:p>
-          <a:p>
-            <a:r>
-              <a:rPr lang="en-US" dirty="0"/>
-              <a:t>data protection </a:t>
-            </a:r>
-          </a:p>
-          <a:p>
-            <a:r>
-              <a:rPr lang="en-US" dirty="0"/>
-              <a:t>risk of social discrimination and stigmatization </a:t>
-            </a:r>
-          </a:p>
-          <a:p>
-            <a:r>
-              <a:rPr lang="en-US" dirty="0"/>
-              <a:t>distributive justice</a:t>
-            </a:r>
+            <a:pPr algn="l"/>
+            <a:r>
+              <a:rPr lang="en-CA" dirty="0">
+                <a:solidFill>
+                  <a:srgbClr val="0070C0"/>
+                </a:solidFill>
+                <a:latin typeface="+mn-lt"/>
+              </a:rPr>
+              <a:t>Methods</a:t>
+            </a:r>
+            <a:endParaRPr lang="en-US" dirty="0">
+              <a:solidFill>
+                <a:srgbClr val="0070C0"/>
+              </a:solidFill>
+              <a:latin typeface="+mn-lt"/>
+            </a:endParaRPr>
           </a:p>
         </p:txBody>
       </p:sp>
     </p:spTree>
     <p:extLst>
       <p:ext uri="{BB962C8B-B14F-4D97-AF65-F5344CB8AC3E}">
-        <p14:creationId xmlns:p14="http://schemas.microsoft.com/office/powerpoint/2010/main" val="1777325711"/>
-      </p:ext>
-    </p:extLst>
-  </p:cSld>
-  <p:clrMapOvr>
-    <a:masterClrMapping/>
-  </p:clrMapOvr>
-  <p:transition spd="med"/>
-</p:sld>
-</file>
-
-<file path=ppt/slides/slide7.xml><?xml version="1.0" encoding="utf-8"?>
-<p:sld xmlns:a="http://schemas.openxmlformats.org/drawingml/2006/main" xmlns:r="http://schemas.openxmlformats.org/officeDocument/2006/relationships" xmlns:p="http://schemas.openxmlformats.org/presentationml/2006/main">
-  <p:cSld>
-    <p:spTree>
-      <p:nvGrpSpPr>
-        <p:cNvPr id="1" name=""/>
-        <p:cNvGrpSpPr/>
-        <p:nvPr/>
-      </p:nvGrpSpPr>
-      <p:grpSpPr>
-        <a:xfrm>
-          <a:off x="0" y="0"/>
-          <a:ext cx="0" cy="0"/>
-          <a:chOff x="0" y="0"/>
-          <a:chExt cx="0" cy="0"/>
-        </a:xfrm>
-      </p:grpSpPr>
-      <p:sp>
-        <p:nvSpPr>
-          <p:cNvPr id="2" name="Title 1">
-            <a:extLst>
-              <a:ext uri="{FF2B5EF4-FFF2-40B4-BE49-F238E27FC236}">
-                <a16:creationId xmlns:a16="http://schemas.microsoft.com/office/drawing/2014/main" id="{07BF39BF-6D88-4008-B6BF-A8769CCB5C57}"/>
-              </a:ext>
-            </a:extLst>
-          </p:cNvPr>
-          <p:cNvSpPr>
-            <a:spLocks noGrp="1"/>
-          </p:cNvSpPr>
-          <p:nvPr>
-            <p:ph type="title"/>
-          </p:nvPr>
-        </p:nvSpPr>
-        <p:spPr/>
-        <p:txBody>
-          <a:bodyPr/>
-          <a:lstStyle/>
-          <a:p>
-            <a:r>
-              <a:rPr lang="en-CA" dirty="0"/>
-              <a:t>Agreement in the cord blood EWAS literature</a:t>
-            </a:r>
-            <a:endParaRPr lang="en-US" dirty="0"/>
-          </a:p>
-        </p:txBody>
-      </p:sp>
-      <p:sp>
-        <p:nvSpPr>
-          <p:cNvPr id="3" name="Content Placeholder 2">
-            <a:extLst>
-              <a:ext uri="{FF2B5EF4-FFF2-40B4-BE49-F238E27FC236}">
-                <a16:creationId xmlns:a16="http://schemas.microsoft.com/office/drawing/2014/main" id="{AAD91FAD-4841-42D5-B7A0-22C945E0F863}"/>
-              </a:ext>
-            </a:extLst>
-          </p:cNvPr>
-          <p:cNvSpPr>
-            <a:spLocks noGrp="1"/>
-          </p:cNvSpPr>
-          <p:nvPr>
-            <p:ph idx="1"/>
-          </p:nvPr>
-        </p:nvSpPr>
-        <p:spPr/>
-        <p:txBody>
-          <a:bodyPr/>
-          <a:lstStyle/>
-          <a:p>
-            <a:pPr marL="0" indent="0">
-              <a:buNone/>
-            </a:pPr>
-            <a:r>
-              <a:rPr lang="en-US" dirty="0" err="1"/>
-              <a:t>Akhabir</a:t>
-            </a:r>
-            <a:r>
-              <a:rPr lang="en-US" dirty="0"/>
-              <a:t>, … &amp; </a:t>
-            </a:r>
-            <a:r>
-              <a:rPr lang="en-US" dirty="0" err="1"/>
-              <a:t>NutriGen</a:t>
-            </a:r>
-            <a:r>
-              <a:rPr lang="en-US" dirty="0"/>
-              <a:t> Alliance (2022). </a:t>
-            </a:r>
-            <a:r>
-              <a:rPr lang="en-US" b="1" dirty="0"/>
-              <a:t>DNA methylation changes in cord blood and the developmental origins of health and disease - a systematic review and replication study</a:t>
-            </a:r>
-            <a:r>
-              <a:rPr lang="en-US" dirty="0"/>
-              <a:t>. BMC genomics, 23(1), 221. </a:t>
-            </a:r>
-          </a:p>
-          <a:p>
-            <a:pPr marL="0" indent="0">
-              <a:buNone/>
-            </a:pPr>
-            <a:endParaRPr lang="en-US" dirty="0"/>
-          </a:p>
-          <a:p>
-            <a:pPr marL="0" indent="0">
-              <a:buNone/>
-            </a:pPr>
-            <a:r>
-              <a:rPr lang="en-US" dirty="0"/>
-              <a:t>“We reviewed the literature to identify differentially methylated sites of newborn DNA which are associated with the following five traits of interest: </a:t>
-            </a:r>
-            <a:r>
-              <a:rPr lang="en-US" b="1" dirty="0"/>
-              <a:t>maternal diabetes</a:t>
-            </a:r>
-            <a:r>
-              <a:rPr lang="en-US" dirty="0"/>
-              <a:t>, </a:t>
-            </a:r>
-            <a:r>
-              <a:rPr lang="en-US" b="1" dirty="0"/>
-              <a:t>pre-pregnancy body mass index (BMI)</a:t>
-            </a:r>
-            <a:r>
-              <a:rPr lang="en-US" dirty="0"/>
-              <a:t>, </a:t>
-            </a:r>
-            <a:r>
-              <a:rPr lang="en-US" b="1" dirty="0"/>
-              <a:t>diet during pregnancy</a:t>
-            </a:r>
-            <a:r>
-              <a:rPr lang="en-US" dirty="0"/>
-              <a:t>, </a:t>
-            </a:r>
-            <a:r>
-              <a:rPr lang="en-US" b="1" dirty="0"/>
-              <a:t>smoking</a:t>
-            </a:r>
-            <a:r>
-              <a:rPr lang="en-US" dirty="0"/>
-              <a:t>, and </a:t>
-            </a:r>
-            <a:r>
-              <a:rPr lang="en-US" b="1" dirty="0"/>
-              <a:t>gestational age</a:t>
-            </a:r>
-            <a:r>
-              <a:rPr lang="en-US" dirty="0"/>
-              <a:t>.”</a:t>
-            </a:r>
-          </a:p>
-          <a:p>
-            <a:pPr marL="0" indent="0">
-              <a:buNone/>
-            </a:pPr>
-            <a:endParaRPr lang="en-US" dirty="0"/>
-          </a:p>
-          <a:p>
-            <a:pPr marL="0" indent="0">
-              <a:buNone/>
-            </a:pPr>
-            <a:r>
-              <a:rPr lang="en-US" dirty="0"/>
-              <a:t>17 cord blood epigenome-wide association studies (EWAS) </a:t>
-            </a:r>
-          </a:p>
-          <a:p>
-            <a:pPr marL="0" indent="0">
-              <a:buNone/>
-            </a:pPr>
-            <a:r>
-              <a:rPr lang="en-US" dirty="0"/>
-              <a:t>290 associations</a:t>
-            </a:r>
-          </a:p>
-          <a:p>
-            <a:pPr marL="0" indent="0">
-              <a:buNone/>
-            </a:pPr>
-            <a:r>
-              <a:rPr lang="en-US" i="1" dirty="0"/>
-              <a:t>Only </a:t>
-            </a:r>
-            <a:r>
-              <a:rPr lang="en-US" dirty="0"/>
-              <a:t>19 identified in more than one study (all prenatal smoking)</a:t>
-            </a:r>
-          </a:p>
-          <a:p>
-            <a:pPr marL="0" indent="0">
-              <a:buNone/>
-            </a:pPr>
-            <a:endParaRPr lang="en-US" dirty="0"/>
-          </a:p>
-        </p:txBody>
-      </p:sp>
-    </p:spTree>
-    <p:extLst>
-      <p:ext uri="{BB962C8B-B14F-4D97-AF65-F5344CB8AC3E}">
-        <p14:creationId xmlns:p14="http://schemas.microsoft.com/office/powerpoint/2010/main" val="1729581889"/>
-      </p:ext>
-    </p:extLst>
-  </p:cSld>
-  <p:clrMapOvr>
-    <a:masterClrMapping/>
-  </p:clrMapOvr>
-  <p:transition spd="med"/>
-</p:sld>
-</file>
-
-<file path=ppt/slides/slide8.xml><?xml version="1.0" encoding="utf-8"?>
-<p:sld xmlns:a="http://schemas.openxmlformats.org/drawingml/2006/main" xmlns:r="http://schemas.openxmlformats.org/officeDocument/2006/relationships" xmlns:p="http://schemas.openxmlformats.org/presentationml/2006/main">
-  <p:cSld>
-    <p:spTree>
-      <p:nvGrpSpPr>
-        <p:cNvPr id="1" name=""/>
-        <p:cNvGrpSpPr/>
-        <p:nvPr/>
-      </p:nvGrpSpPr>
-      <p:grpSpPr>
-        <a:xfrm>
-          <a:off x="0" y="0"/>
-          <a:ext cx="0" cy="0"/>
-          <a:chOff x="0" y="0"/>
-          <a:chExt cx="0" cy="0"/>
-        </a:xfrm>
-      </p:grpSpPr>
-      <p:sp>
-        <p:nvSpPr>
-          <p:cNvPr id="2" name="Title 1">
-            <a:extLst>
-              <a:ext uri="{FF2B5EF4-FFF2-40B4-BE49-F238E27FC236}">
-                <a16:creationId xmlns:a16="http://schemas.microsoft.com/office/drawing/2014/main" id="{6E137089-8DA6-4ED6-99FA-6B76CE538FFE}"/>
-              </a:ext>
-            </a:extLst>
-          </p:cNvPr>
-          <p:cNvSpPr>
-            <a:spLocks noGrp="1"/>
-          </p:cNvSpPr>
-          <p:nvPr>
-            <p:ph type="title"/>
-          </p:nvPr>
-        </p:nvSpPr>
-        <p:spPr/>
-        <p:txBody>
-          <a:bodyPr/>
-          <a:lstStyle/>
-          <a:p>
-            <a:endParaRPr lang="en-US"/>
-          </a:p>
-        </p:txBody>
-      </p:sp>
-      <p:pic>
-        <p:nvPicPr>
-          <p:cNvPr id="5" name="Content Placeholder 4">
-            <a:extLst>
-              <a:ext uri="{FF2B5EF4-FFF2-40B4-BE49-F238E27FC236}">
-                <a16:creationId xmlns:a16="http://schemas.microsoft.com/office/drawing/2014/main" id="{C430F3AC-2948-4AF1-88BD-BE29D4F291A1}"/>
-              </a:ext>
-            </a:extLst>
-          </p:cNvPr>
-          <p:cNvPicPr>
-            <a:picLocks noGrp="1" noChangeAspect="1"/>
-          </p:cNvPicPr>
-          <p:nvPr>
-            <p:ph idx="1"/>
-          </p:nvPr>
-        </p:nvPicPr>
-        <p:blipFill>
-          <a:blip r:embed="rId2"/>
-          <a:stretch>
-            <a:fillRect/>
-          </a:stretch>
-        </p:blipFill>
-        <p:spPr>
-          <a:xfrm>
-            <a:off x="2711624" y="1475426"/>
-            <a:ext cx="7643021" cy="4905072"/>
-          </a:xfrm>
-        </p:spPr>
-      </p:pic>
-      <p:pic>
-        <p:nvPicPr>
-          <p:cNvPr id="7" name="Picture 6">
-            <a:extLst>
-              <a:ext uri="{FF2B5EF4-FFF2-40B4-BE49-F238E27FC236}">
-                <a16:creationId xmlns:a16="http://schemas.microsoft.com/office/drawing/2014/main" id="{4F486988-492D-495D-9290-BE31282751F1}"/>
-              </a:ext>
-            </a:extLst>
-          </p:cNvPr>
-          <p:cNvPicPr>
-            <a:picLocks noChangeAspect="1"/>
-          </p:cNvPicPr>
-          <p:nvPr/>
-        </p:nvPicPr>
-        <p:blipFill>
-          <a:blip r:embed="rId3"/>
-          <a:stretch>
-            <a:fillRect/>
-          </a:stretch>
-        </p:blipFill>
-        <p:spPr>
-          <a:xfrm>
-            <a:off x="2711624" y="1412776"/>
-            <a:ext cx="6991109" cy="333555"/>
-          </a:xfrm>
-          <a:prstGeom prst="rect">
-            <a:avLst/>
-          </a:prstGeom>
-        </p:spPr>
-      </p:pic>
-    </p:spTree>
-    <p:extLst>
-      <p:ext uri="{BB962C8B-B14F-4D97-AF65-F5344CB8AC3E}">
-        <p14:creationId xmlns:p14="http://schemas.microsoft.com/office/powerpoint/2010/main" val="2928803660"/>
+        <p14:creationId xmlns:p14="http://schemas.microsoft.com/office/powerpoint/2010/main" val="2586055292"/>
       </p:ext>
     </p:extLst>
   </p:cSld>
@@ -14122,7 +14749,7 @@
           <p:cNvPr id="2" name="Title 1">
             <a:extLst>
               <a:ext uri="{FF2B5EF4-FFF2-40B4-BE49-F238E27FC236}">
-                <a16:creationId xmlns:a16="http://schemas.microsoft.com/office/drawing/2014/main" id="{1AD354DC-C975-4AA8-BEC8-C96A93E5AF4B}"/>
+                <a16:creationId xmlns:a16="http://schemas.microsoft.com/office/drawing/2014/main" id="{FBEC9E5B-499A-4F5B-9C93-271B210E8C01}"/>
               </a:ext>
             </a:extLst>
           </p:cNvPr>
@@ -14138,7 +14765,11 @@
           <a:bodyPr/>
           <a:lstStyle/>
           <a:p>
-            <a:endParaRPr lang="en-US"/>
+            <a:r>
+              <a:rPr lang="en-CA" dirty="0"/>
+              <a:t>DNA methylation + gene expression = protein interactions</a:t>
+            </a:r>
+            <a:endParaRPr lang="en-US" dirty="0"/>
           </a:p>
         </p:txBody>
       </p:sp>
@@ -14147,7 +14778,7 @@
           <p:cNvPr id="3" name="Content Placeholder 2">
             <a:extLst>
               <a:ext uri="{FF2B5EF4-FFF2-40B4-BE49-F238E27FC236}">
-                <a16:creationId xmlns:a16="http://schemas.microsoft.com/office/drawing/2014/main" id="{DA0ACC3D-C00C-430E-AA6A-AEA12130F50C}"/>
+                <a16:creationId xmlns:a16="http://schemas.microsoft.com/office/drawing/2014/main" id="{C37614CC-A62C-4AED-8D39-B5E370A63E7D}"/>
               </a:ext>
             </a:extLst>
           </p:cNvPr>
@@ -14158,7 +14789,12 @@
             <p:ph idx="1"/>
           </p:nvPr>
         </p:nvSpPr>
-        <p:spPr/>
+        <p:spPr>
+          <a:xfrm>
+            <a:off x="609600" y="1377280"/>
+            <a:ext cx="10871200" cy="4572000"/>
+          </a:xfrm>
+        </p:spPr>
         <p:txBody>
           <a:bodyPr/>
           <a:lstStyle/>
@@ -14168,11 +14804,59 @@
             </a:pPr>
             <a:r>
               <a:rPr lang="en-US" dirty="0"/>
-              <a:t>Ruiz-Arenas, et al. (2022). </a:t>
+              <a:t>Shuang Li, Cancan Qi, Patrick </a:t>
+            </a:r>
+            <a:r>
+              <a:rPr lang="en-US" dirty="0" err="1"/>
+              <a:t>Deelen</a:t>
+            </a:r>
+            <a:r>
+              <a:rPr lang="en-US" dirty="0"/>
+              <a:t>, </a:t>
+            </a:r>
+            <a:r>
+              <a:rPr lang="en-US" dirty="0" err="1"/>
+              <a:t>Floranne</a:t>
+            </a:r>
+            <a:r>
+              <a:rPr lang="en-US" dirty="0"/>
+              <a:t> Boulogne, Niek de Klein, BIOS Consortium, Gerard H. </a:t>
+            </a:r>
+            <a:r>
+              <a:rPr lang="en-US" dirty="0" err="1"/>
+              <a:t>Koppelman</a:t>
+            </a:r>
+            <a:r>
+              <a:rPr lang="en-US" dirty="0"/>
+              <a:t>, K. </a:t>
+            </a:r>
+            <a:r>
+              <a:rPr lang="en-US" dirty="0" err="1"/>
+              <a:t>Joeri</a:t>
+            </a:r>
+            <a:r>
+              <a:rPr lang="en-US" dirty="0"/>
+              <a:t> van der Velde, Lude Franke, Morris A. </a:t>
+            </a:r>
+            <a:r>
+              <a:rPr lang="en-US" dirty="0" err="1"/>
+              <a:t>Swertz</a:t>
+            </a:r>
+            <a:r>
+              <a:rPr lang="en-US" dirty="0"/>
+              <a:t>, Harm-Jan </a:t>
+            </a:r>
+            <a:r>
+              <a:rPr lang="en-US" dirty="0" err="1"/>
+              <a:t>Westra</a:t>
+            </a:r>
+            <a:r>
+              <a:rPr lang="en-US" dirty="0"/>
+              <a:t>. </a:t>
             </a:r>
             <a:r>
               <a:rPr lang="en-US" b="1" dirty="0"/>
-              <a:t>Identification of autosomal cis expression quantitative trait methylation (cis </a:t>
+              <a:t>Integration of public DNA methylation and expression networks via </a:t>
             </a:r>
             <a:r>
               <a:rPr lang="en-US" b="1" dirty="0" err="1"/>
@@ -14180,19 +14864,124 @@
             </a:r>
             <a:r>
               <a:rPr lang="en-US" b="1" dirty="0"/>
-              <a:t>) in children's blood</a:t>
+              <a:t> improves prediction of functional gene–gene associations. </a:t>
+            </a:r>
+            <a:r>
+              <a:rPr lang="en-US" dirty="0" err="1"/>
+              <a:t>bioRxiv</a:t>
             </a:r>
             <a:r>
               <a:rPr lang="en-US" dirty="0"/>
-              <a:t>. </a:t>
-            </a:r>
+              <a:t> 2021.12.17.473125</a:t>
+            </a:r>
+          </a:p>
+          <a:p>
+            <a:pPr marL="0" indent="0">
+              <a:buNone/>
+            </a:pPr>
+            <a:r>
+              <a:rPr lang="en-US" u="sng" dirty="0"/>
+              <a:t>Input</a:t>
+            </a:r>
+          </a:p>
+          <a:p>
             <a:r>
               <a:rPr lang="en-US" dirty="0" err="1"/>
-              <a:t>eLife</a:t>
+              <a:t>eQTM</a:t>
             </a:r>
             <a:r>
               <a:rPr lang="en-US" dirty="0"/>
-              <a:t>, 11, e65310. </a:t>
+              <a:t> meta-analysis of 3,574 gene expression and methylation samples from blood, brain and nasal epithelial brushed cells</a:t>
+            </a:r>
+          </a:p>
+          <a:p>
+            <a:r>
+              <a:rPr lang="en-US" dirty="0"/>
+              <a:t>Co-</a:t>
+            </a:r>
+            <a:r>
+              <a:rPr lang="en-US" dirty="0" err="1"/>
+              <a:t>MethylationNetwork</a:t>
+            </a:r>
+            <a:r>
+              <a:rPr lang="en-US" dirty="0"/>
+              <a:t> using 27,720 publicly available </a:t>
+            </a:r>
+            <a:r>
+              <a:rPr lang="en-US" dirty="0" err="1"/>
+              <a:t>DNAm</a:t>
+            </a:r>
+            <a:r>
+              <a:rPr lang="en-US" dirty="0"/>
+              <a:t> array profiles</a:t>
+            </a:r>
+          </a:p>
+          <a:p>
+            <a:r>
+              <a:rPr lang="en-US" dirty="0"/>
+              <a:t>Co-</a:t>
+            </a:r>
+            <a:r>
+              <a:rPr lang="en-US" dirty="0" err="1"/>
+              <a:t>ExpressionNetwork</a:t>
+            </a:r>
+            <a:r>
+              <a:rPr lang="en-US" dirty="0"/>
+              <a:t> using 31,499 publicly available RNA-seq profiles</a:t>
+            </a:r>
+          </a:p>
+          <a:p>
+            <a:pPr marL="0" indent="0">
+              <a:buNone/>
+            </a:pPr>
+            <a:r>
+              <a:rPr lang="en-US" u="sng" dirty="0"/>
+              <a:t>Aim</a:t>
+            </a:r>
+            <a:r>
+              <a:rPr lang="en-US" dirty="0"/>
+              <a:t> predict validated protein-protein interactions (PPIs) in the STRING database</a:t>
+            </a:r>
+          </a:p>
+          <a:p>
+            <a:pPr marL="0" indent="0">
+              <a:buNone/>
+            </a:pPr>
+            <a:r>
+              <a:rPr lang="en-US" u="sng" dirty="0"/>
+              <a:t>Results</a:t>
+            </a:r>
+            <a:r>
+              <a:rPr lang="en-US" dirty="0"/>
+              <a:t> </a:t>
+            </a:r>
+          </a:p>
+          <a:p>
+            <a:pPr>
+              <a:buFont typeface="Arial" panose="020B0604020202020204" pitchFamily="34" charset="0"/>
+              <a:buChar char="•"/>
+            </a:pPr>
+            <a:r>
+              <a:rPr lang="en-US" dirty="0"/>
+              <a:t>Links in both networks predict PPIs but with surprisingly little overlap</a:t>
+            </a:r>
+          </a:p>
+          <a:p>
+            <a:pPr>
+              <a:buFont typeface="Arial" panose="020B0604020202020204" pitchFamily="34" charset="0"/>
+              <a:buChar char="•"/>
+            </a:pPr>
+            <a:r>
+              <a:rPr lang="en-US" dirty="0"/>
+              <a:t>Merging of predictions using </a:t>
+            </a:r>
+            <a:r>
+              <a:rPr lang="en-US" dirty="0" err="1"/>
+              <a:t>eQTMs</a:t>
+            </a:r>
+            <a:r>
+              <a:rPr lang="en-US" dirty="0"/>
+              <a:t> and Canonical Correlation Analysis improved performance</a:t>
             </a:r>
           </a:p>
           <a:p>
@@ -14201,101 +14990,58 @@
             </a:pPr>
             <a:endParaRPr lang="en-US" dirty="0"/>
           </a:p>
+        </p:txBody>
+      </p:sp>
+      <p:sp>
+        <p:nvSpPr>
+          <p:cNvPr id="4" name="TextBox 3">
+            <a:extLst>
+              <a:ext uri="{FF2B5EF4-FFF2-40B4-BE49-F238E27FC236}">
+                <a16:creationId xmlns:a16="http://schemas.microsoft.com/office/drawing/2014/main" id="{0531063F-6D8E-44B7-9E62-31F571CE8184}"/>
+              </a:ext>
+            </a:extLst>
+          </p:cNvPr>
+          <p:cNvSpPr txBox="1"/>
+          <p:nvPr/>
+        </p:nvSpPr>
+        <p:spPr>
+          <a:xfrm>
+            <a:off x="590364" y="172551"/>
+            <a:ext cx="1742786" cy="461665"/>
+          </a:xfrm>
+          <a:prstGeom prst="rect">
+            <a:avLst/>
+          </a:prstGeom>
+          <a:noFill/>
+        </p:spPr>
+        <p:txBody>
+          <a:bodyPr wrap="none" rtlCol="0">
+            <a:spAutoFit/>
+          </a:bodyPr>
+          <a:lstStyle/>
           <a:p>
-            <a:pPr marL="0" indent="0">
-              <a:buNone/>
-            </a:pPr>
-            <a:r>
-              <a:rPr lang="en-US" dirty="0"/>
-              <a:t>832 children of the Human Early Life Exposome (HELIX) project.</a:t>
-            </a:r>
-          </a:p>
-          <a:p>
-            <a:pPr marL="0" indent="0">
-              <a:buNone/>
-            </a:pPr>
-            <a:r>
-              <a:rPr lang="en-US" dirty="0"/>
-              <a:t>blood DNA methylation measured with Illumina 450K arrays</a:t>
-            </a:r>
-          </a:p>
-          <a:p>
-            <a:pPr marL="0" indent="0">
-              <a:buNone/>
-            </a:pPr>
-            <a:r>
-              <a:rPr lang="en-US" dirty="0"/>
-              <a:t>blood gene expression measured with Affymetrix HTA v2 arrays</a:t>
-            </a:r>
-          </a:p>
-          <a:p>
-            <a:pPr marL="0" indent="0">
-              <a:buNone/>
-            </a:pPr>
-            <a:endParaRPr lang="en-US" dirty="0"/>
-          </a:p>
-          <a:p>
-            <a:pPr marL="0" indent="0">
-              <a:buNone/>
-            </a:pPr>
-            <a:r>
-              <a:rPr lang="en-US" dirty="0"/>
-              <a:t>“We identified 39,749 blood autosomal cis </a:t>
-            </a:r>
-            <a:r>
-              <a:rPr lang="en-US" dirty="0" err="1"/>
-              <a:t>eQTMs</a:t>
-            </a:r>
-            <a:r>
-              <a:rPr lang="en-US" dirty="0"/>
-              <a:t>, representing 21,966 unique </a:t>
-            </a:r>
-            <a:r>
-              <a:rPr lang="en-US" dirty="0" err="1"/>
-              <a:t>CpGs</a:t>
-            </a:r>
-            <a:r>
-              <a:rPr lang="en-US" dirty="0"/>
-              <a:t>”</a:t>
-            </a:r>
-          </a:p>
-          <a:p>
-            <a:pPr marL="0" indent="0">
-              <a:buNone/>
-            </a:pPr>
-            <a:endParaRPr lang="en-US" dirty="0"/>
-          </a:p>
-          <a:p>
-            <a:pPr marL="0" indent="0">
-              <a:buNone/>
-            </a:pPr>
-            <a:r>
-              <a:rPr lang="en-US" dirty="0"/>
-              <a:t>“The overlap of autosomal cis </a:t>
-            </a:r>
-            <a:r>
-              <a:rPr lang="en-US" dirty="0" err="1"/>
-              <a:t>eQTMs</a:t>
-            </a:r>
-            <a:r>
-              <a:rPr lang="en-US" dirty="0"/>
-              <a:t> in children's blood with those described in adults was small (13.8%), and age-shared cis </a:t>
-            </a:r>
-            <a:r>
-              <a:rPr lang="en-US" dirty="0" err="1"/>
-              <a:t>eQTMs</a:t>
-            </a:r>
-            <a:r>
-              <a:rPr lang="en-US" dirty="0"/>
-              <a:t> tended to be proximal to the TSS and enriched for genetic variants.”</a:t>
-            </a:r>
+            <a:r>
+              <a:rPr lang="en-CA" dirty="0">
+                <a:solidFill>
+                  <a:srgbClr val="0070C0"/>
+                </a:solidFill>
+                <a:latin typeface="+mn-lt"/>
+              </a:rPr>
+              <a:t>Multi-omics</a:t>
+            </a:r>
+            <a:endParaRPr lang="en-US" dirty="0">
+              <a:solidFill>
+                <a:srgbClr val="0070C0"/>
+              </a:solidFill>
+              <a:latin typeface="+mn-lt"/>
+            </a:endParaRPr>
           </a:p>
         </p:txBody>
       </p:sp>
     </p:spTree>
     <p:extLst>
       <p:ext uri="{BB962C8B-B14F-4D97-AF65-F5344CB8AC3E}">
-        <p14:creationId xmlns:p14="http://schemas.microsoft.com/office/powerpoint/2010/main" val="3876573143"/>
+        <p14:creationId xmlns:p14="http://schemas.microsoft.com/office/powerpoint/2010/main" val="847729042"/>
       </p:ext>
     </p:extLst>
   </p:cSld>
@@ -16327,18 +17073,18 @@
 </file>
 
 <file path=customXml/item1.xml><?xml version="1.0" encoding="utf-8"?>
+<p:properties xmlns:p="http://schemas.microsoft.com/office/2006/metadata/properties" xmlns:xsi="http://www.w3.org/2001/XMLSchema-instance" xmlns:pc="http://schemas.microsoft.com/office/infopath/2007/PartnerControls">
+  <documentManagement/>
+</p:properties>
+</file>
+
+<file path=customXml/item2.xml><?xml version="1.0" encoding="utf-8"?>
 <?mso-contentType ?>
 <FormTemplates xmlns="http://schemas.microsoft.com/sharepoint/v3/contenttype/forms">
   <Display>DocumentLibraryForm</Display>
   <Edit>DocumentLibraryForm</Edit>
   <New>DocumentLibraryForm</New>
 </FormTemplates>
-</file>
-
-<file path=customXml/item2.xml><?xml version="1.0" encoding="utf-8"?>
-<p:properties xmlns:p="http://schemas.microsoft.com/office/2006/metadata/properties" xmlns:xsi="http://www.w3.org/2001/XMLSchema-instance" xmlns:pc="http://schemas.microsoft.com/office/infopath/2007/PartnerControls">
-  <documentManagement/>
-</p:properties>
 </file>
 
 <file path=customXml/item3.xml><?xml version="1.0" encoding="utf-8"?>
@@ -16488,18 +17234,18 @@
 </file>
 
 <file path=customXml/itemProps1.xml><?xml version="1.0" encoding="utf-8"?>
-<ds:datastoreItem xmlns:ds="http://schemas.openxmlformats.org/officeDocument/2006/customXml" ds:itemID="{3AA12886-63C9-4300-8B68-1ADB4934159B}">
+<ds:datastoreItem xmlns:ds="http://schemas.openxmlformats.org/officeDocument/2006/customXml" ds:itemID="{958A2EA8-4641-42F6-A17F-431287DED999}">
   <ds:schemaRefs>
-    <ds:schemaRef ds:uri="http://schemas.microsoft.com/sharepoint/v3/contenttype/forms"/>
+    <ds:schemaRef ds:uri="http://schemas.microsoft.com/office/2006/metadata/properties"/>
+    <ds:schemaRef ds:uri="http://schemas.microsoft.com/office/infopath/2007/PartnerControls"/>
   </ds:schemaRefs>
 </ds:datastoreItem>
 </file>
 
 <file path=customXml/itemProps2.xml><?xml version="1.0" encoding="utf-8"?>
-<ds:datastoreItem xmlns:ds="http://schemas.openxmlformats.org/officeDocument/2006/customXml" ds:itemID="{958A2EA8-4641-42F6-A17F-431287DED999}">
+<ds:datastoreItem xmlns:ds="http://schemas.openxmlformats.org/officeDocument/2006/customXml" ds:itemID="{3AA12886-63C9-4300-8B68-1ADB4934159B}">
   <ds:schemaRefs>
-    <ds:schemaRef ds:uri="http://schemas.microsoft.com/office/2006/metadata/properties"/>
-    <ds:schemaRef ds:uri="http://schemas.microsoft.com/office/infopath/2007/PartnerControls"/>
+    <ds:schemaRef ds:uri="http://schemas.microsoft.com/sharepoint/v3/contenttype/forms"/>
   </ds:schemaRefs>
 </ds:datastoreItem>
 </file>
